--- a/GameMaster/GameDesign/UIDesign/初始.pptx
+++ b/GameMaster/GameDesign/UIDesign/初始.pptx
@@ -38559,58 +38559,6 @@
           </a:prstGeom>
         </p:spPr>
       </p:pic>
-      <p:sp>
-        <p:nvSpPr>
-          <p:cNvPr id="285" name="菱形 284">
-            <a:extLst>
-              <a:ext uri="{FF2B5EF4-FFF2-40B4-BE49-F238E27FC236}">
-                <a16:creationId xmlns:a16="http://schemas.microsoft.com/office/drawing/2014/main" id="{4B0CF8DE-2545-4A36-91C0-FDAE04BD8E42}"/>
-              </a:ext>
-            </a:extLst>
-          </p:cNvPr>
-          <p:cNvSpPr/>
-          <p:nvPr/>
-        </p:nvSpPr>
-        <p:spPr>
-          <a:xfrm>
-            <a:off x="3423185" y="5283942"/>
-            <a:ext cx="73025" cy="73025"/>
-          </a:xfrm>
-          <a:prstGeom prst="diamond">
-            <a:avLst/>
-          </a:prstGeom>
-          <a:solidFill>
-            <a:schemeClr val="bg1"/>
-          </a:solidFill>
-          <a:ln>
-            <a:noFill/>
-          </a:ln>
-        </p:spPr>
-        <p:style>
-          <a:lnRef idx="2">
-            <a:schemeClr val="accent1">
-              <a:shade val="50000"/>
-            </a:schemeClr>
-          </a:lnRef>
-          <a:fillRef idx="1">
-            <a:schemeClr val="accent1"/>
-          </a:fillRef>
-          <a:effectRef idx="0">
-            <a:schemeClr val="accent1"/>
-          </a:effectRef>
-          <a:fontRef idx="minor">
-            <a:schemeClr val="lt1"/>
-          </a:fontRef>
-        </p:style>
-        <p:txBody>
-          <a:bodyPr rtlCol="0" anchor="ctr"/>
-          <a:lstStyle/>
-          <a:p>
-            <a:pPr algn="ctr"/>
-            <a:endParaRPr lang="zh-CN" altLang="en-US"/>
-          </a:p>
-        </p:txBody>
-      </p:sp>
     </p:spTree>
     <p:extLst>
       <p:ext uri="{BB962C8B-B14F-4D97-AF65-F5344CB8AC3E}">

--- a/GameMaster/GameDesign/UIDesign/初始.pptx
+++ b/GameMaster/GameDesign/UIDesign/初始.pptx
@@ -5,11 +5,13 @@
     <p:sldMasterId id="2147483648" r:id="rId1"/>
   </p:sldMasterIdLst>
   <p:notesMasterIdLst>
-    <p:notesMasterId r:id="rId4"/>
+    <p:notesMasterId r:id="rId6"/>
   </p:notesMasterIdLst>
   <p:sldIdLst>
     <p:sldId id="263" r:id="rId2"/>
     <p:sldId id="264" r:id="rId3"/>
+    <p:sldId id="265" r:id="rId4"/>
+    <p:sldId id="266" r:id="rId5"/>
   </p:sldIdLst>
   <p:sldSz cx="12192000" cy="6858000"/>
   <p:notesSz cx="6858000" cy="9144000"/>
@@ -198,7 +200,7 @@
           <a:p>
             <a:fld id="{06FD44C9-C1F2-449D-B87E-FBF0E63C0808}" type="datetimeFigureOut">
               <a:rPr lang="zh-CN" altLang="en-US" smtClean="0"/>
-              <a:t>2020/2/8</a:t>
+              <a:t>2020/2/11</a:t>
             </a:fld>
             <a:endParaRPr lang="zh-CN" altLang="en-US"/>
           </a:p>
@@ -696,7 +698,7 @@
           <a:p>
             <a:fld id="{D093F51F-247A-45A9-B268-42BCA2AB3048}" type="datetimeFigureOut">
               <a:rPr lang="zh-CN" altLang="en-US" smtClean="0"/>
-              <a:t>2020/2/8</a:t>
+              <a:t>2020/2/11</a:t>
             </a:fld>
             <a:endParaRPr lang="zh-CN" altLang="en-US"/>
           </a:p>
@@ -894,7 +896,7 @@
           <a:p>
             <a:fld id="{D093F51F-247A-45A9-B268-42BCA2AB3048}" type="datetimeFigureOut">
               <a:rPr lang="zh-CN" altLang="en-US" smtClean="0"/>
-              <a:t>2020/2/8</a:t>
+              <a:t>2020/2/11</a:t>
             </a:fld>
             <a:endParaRPr lang="zh-CN" altLang="en-US"/>
           </a:p>
@@ -1102,7 +1104,7 @@
           <a:p>
             <a:fld id="{D093F51F-247A-45A9-B268-42BCA2AB3048}" type="datetimeFigureOut">
               <a:rPr lang="zh-CN" altLang="en-US" smtClean="0"/>
-              <a:t>2020/2/8</a:t>
+              <a:t>2020/2/11</a:t>
             </a:fld>
             <a:endParaRPr lang="zh-CN" altLang="en-US"/>
           </a:p>
@@ -1300,7 +1302,7 @@
           <a:p>
             <a:fld id="{D093F51F-247A-45A9-B268-42BCA2AB3048}" type="datetimeFigureOut">
               <a:rPr lang="zh-CN" altLang="en-US" smtClean="0"/>
-              <a:t>2020/2/8</a:t>
+              <a:t>2020/2/11</a:t>
             </a:fld>
             <a:endParaRPr lang="zh-CN" altLang="en-US"/>
           </a:p>
@@ -1575,7 +1577,7 @@
           <a:p>
             <a:fld id="{D093F51F-247A-45A9-B268-42BCA2AB3048}" type="datetimeFigureOut">
               <a:rPr lang="zh-CN" altLang="en-US" smtClean="0"/>
-              <a:t>2020/2/8</a:t>
+              <a:t>2020/2/11</a:t>
             </a:fld>
             <a:endParaRPr lang="zh-CN" altLang="en-US"/>
           </a:p>
@@ -1840,7 +1842,7 @@
           <a:p>
             <a:fld id="{D093F51F-247A-45A9-B268-42BCA2AB3048}" type="datetimeFigureOut">
               <a:rPr lang="zh-CN" altLang="en-US" smtClean="0"/>
-              <a:t>2020/2/8</a:t>
+              <a:t>2020/2/11</a:t>
             </a:fld>
             <a:endParaRPr lang="zh-CN" altLang="en-US"/>
           </a:p>
@@ -2252,7 +2254,7 @@
           <a:p>
             <a:fld id="{D093F51F-247A-45A9-B268-42BCA2AB3048}" type="datetimeFigureOut">
               <a:rPr lang="zh-CN" altLang="en-US" smtClean="0"/>
-              <a:t>2020/2/8</a:t>
+              <a:t>2020/2/11</a:t>
             </a:fld>
             <a:endParaRPr lang="zh-CN" altLang="en-US"/>
           </a:p>
@@ -2393,7 +2395,7 @@
           <a:p>
             <a:fld id="{D093F51F-247A-45A9-B268-42BCA2AB3048}" type="datetimeFigureOut">
               <a:rPr lang="zh-CN" altLang="en-US" smtClean="0"/>
-              <a:t>2020/2/8</a:t>
+              <a:t>2020/2/11</a:t>
             </a:fld>
             <a:endParaRPr lang="zh-CN" altLang="en-US"/>
           </a:p>
@@ -2506,7 +2508,7 @@
           <a:p>
             <a:fld id="{D093F51F-247A-45A9-B268-42BCA2AB3048}" type="datetimeFigureOut">
               <a:rPr lang="zh-CN" altLang="en-US" smtClean="0"/>
-              <a:t>2020/2/8</a:t>
+              <a:t>2020/2/11</a:t>
             </a:fld>
             <a:endParaRPr lang="zh-CN" altLang="en-US"/>
           </a:p>
@@ -2817,7 +2819,7 @@
           <a:p>
             <a:fld id="{D093F51F-247A-45A9-B268-42BCA2AB3048}" type="datetimeFigureOut">
               <a:rPr lang="zh-CN" altLang="en-US" smtClean="0"/>
-              <a:t>2020/2/8</a:t>
+              <a:t>2020/2/11</a:t>
             </a:fld>
             <a:endParaRPr lang="zh-CN" altLang="en-US"/>
           </a:p>
@@ -3105,7 +3107,7 @@
           <a:p>
             <a:fld id="{D093F51F-247A-45A9-B268-42BCA2AB3048}" type="datetimeFigureOut">
               <a:rPr lang="zh-CN" altLang="en-US" smtClean="0"/>
-              <a:t>2020/2/8</a:t>
+              <a:t>2020/2/11</a:t>
             </a:fld>
             <a:endParaRPr lang="zh-CN" altLang="en-US"/>
           </a:p>
@@ -3355,7 +3357,7 @@
           <a:p>
             <a:fld id="{D093F51F-247A-45A9-B268-42BCA2AB3048}" type="datetimeFigureOut">
               <a:rPr lang="zh-CN" altLang="en-US" smtClean="0"/>
-              <a:t>2020/2/8</a:t>
+              <a:t>2020/2/11</a:t>
             </a:fld>
             <a:endParaRPr lang="zh-CN" altLang="en-US"/>
           </a:p>
@@ -46837,6 +46839,4426 @@
 </p:sld>
 </file>
 
+<file path=ppt/slides/slide3.xml><?xml version="1.0" encoding="utf-8"?>
+<p:sld xmlns:a="http://schemas.openxmlformats.org/drawingml/2006/main" xmlns:r="http://schemas.openxmlformats.org/officeDocument/2006/relationships" xmlns:p="http://schemas.openxmlformats.org/presentationml/2006/main">
+  <p:cSld>
+    <p:spTree>
+      <p:nvGrpSpPr>
+        <p:cNvPr id="1" name=""/>
+        <p:cNvGrpSpPr/>
+        <p:nvPr/>
+      </p:nvGrpSpPr>
+      <p:grpSpPr>
+        <a:xfrm>
+          <a:off x="0" y="0"/>
+          <a:ext cx="0" cy="0"/>
+          <a:chOff x="0" y="0"/>
+          <a:chExt cx="0" cy="0"/>
+        </a:xfrm>
+      </p:grpSpPr>
+      <p:sp>
+        <p:nvSpPr>
+          <p:cNvPr id="4" name="矩形 3">
+            <a:extLst>
+              <a:ext uri="{FF2B5EF4-FFF2-40B4-BE49-F238E27FC236}">
+                <a16:creationId xmlns:a16="http://schemas.microsoft.com/office/drawing/2014/main" id="{2EEF6105-8110-40BD-B3DB-6ABC7D4ACE5A}"/>
+              </a:ext>
+            </a:extLst>
+          </p:cNvPr>
+          <p:cNvSpPr/>
+          <p:nvPr/>
+        </p:nvSpPr>
+        <p:spPr>
+          <a:xfrm>
+            <a:off x="1124342" y="952853"/>
+            <a:ext cx="9984045" cy="5045610"/>
+          </a:xfrm>
+          <a:prstGeom prst="rect">
+            <a:avLst/>
+          </a:prstGeom>
+          <a:solidFill>
+            <a:schemeClr val="bg2">
+              <a:lumMod val="10000"/>
+              <a:alpha val="88000"/>
+            </a:schemeClr>
+          </a:solidFill>
+          <a:ln>
+            <a:noFill/>
+          </a:ln>
+          <a:effectLst>
+            <a:softEdge rad="88900"/>
+          </a:effectLst>
+        </p:spPr>
+        <p:style>
+          <a:lnRef idx="2">
+            <a:schemeClr val="accent1">
+              <a:shade val="50000"/>
+            </a:schemeClr>
+          </a:lnRef>
+          <a:fillRef idx="1">
+            <a:schemeClr val="accent1"/>
+          </a:fillRef>
+          <a:effectRef idx="0">
+            <a:schemeClr val="accent1"/>
+          </a:effectRef>
+          <a:fontRef idx="minor">
+            <a:schemeClr val="lt1"/>
+          </a:fontRef>
+        </p:style>
+        <p:txBody>
+          <a:bodyPr rtlCol="0" anchor="ctr"/>
+          <a:lstStyle/>
+          <a:p>
+            <a:pPr algn="ctr"/>
+            <a:endParaRPr lang="zh-CN" altLang="en-US" dirty="0"/>
+          </a:p>
+        </p:txBody>
+      </p:sp>
+      <p:sp>
+        <p:nvSpPr>
+          <p:cNvPr id="5" name="文本框 4">
+            <a:extLst>
+              <a:ext uri="{FF2B5EF4-FFF2-40B4-BE49-F238E27FC236}">
+                <a16:creationId xmlns:a16="http://schemas.microsoft.com/office/drawing/2014/main" id="{2EE450B4-8C8D-4B3A-A6E3-E2A9AC4E933C}"/>
+              </a:ext>
+            </a:extLst>
+          </p:cNvPr>
+          <p:cNvSpPr txBox="1"/>
+          <p:nvPr/>
+        </p:nvSpPr>
+        <p:spPr>
+          <a:xfrm>
+            <a:off x="5644594" y="645076"/>
+            <a:ext cx="902811" cy="307777"/>
+          </a:xfrm>
+          <a:prstGeom prst="rect">
+            <a:avLst/>
+          </a:prstGeom>
+          <a:noFill/>
+        </p:spPr>
+        <p:txBody>
+          <a:bodyPr wrap="square" rtlCol="0">
+            <a:spAutoFit/>
+          </a:bodyPr>
+          <a:lstStyle/>
+          <a:p>
+            <a:r>
+              <a:rPr lang="zh-CN" altLang="en-US" sz="1400" dirty="0">
+                <a:solidFill>
+                  <a:schemeClr val="bg1"/>
+                </a:solidFill>
+                <a:latin typeface="思源黑体 CN Heavy" panose="020B0A00000000000000" pitchFamily="34" charset="-122"/>
+                <a:ea typeface="思源黑体 CN Heavy" panose="020B0A00000000000000" pitchFamily="34" charset="-122"/>
+              </a:rPr>
+              <a:t>角色选择</a:t>
+            </a:r>
+          </a:p>
+        </p:txBody>
+      </p:sp>
+      <p:sp>
+        <p:nvSpPr>
+          <p:cNvPr id="6" name="Freeform 150">
+            <a:extLst>
+              <a:ext uri="{FF2B5EF4-FFF2-40B4-BE49-F238E27FC236}">
+                <a16:creationId xmlns:a16="http://schemas.microsoft.com/office/drawing/2014/main" id="{E4184979-CC14-441A-A249-4D8C99BB5B6A}"/>
+              </a:ext>
+            </a:extLst>
+          </p:cNvPr>
+          <p:cNvSpPr>
+            <a:spLocks noEditPoints="1"/>
+          </p:cNvSpPr>
+          <p:nvPr/>
+        </p:nvSpPr>
+        <p:spPr bwMode="auto">
+          <a:xfrm>
+            <a:off x="5436075" y="689219"/>
+            <a:ext cx="208519" cy="219492"/>
+          </a:xfrm>
+          <a:custGeom>
+            <a:avLst/>
+            <a:gdLst>
+              <a:gd name="T0" fmla="*/ 26 w 47"/>
+              <a:gd name="T1" fmla="*/ 41 h 50"/>
+              <a:gd name="T2" fmla="*/ 22 w 47"/>
+              <a:gd name="T3" fmla="*/ 41 h 50"/>
+              <a:gd name="T4" fmla="*/ 10 w 47"/>
+              <a:gd name="T5" fmla="*/ 8 h 50"/>
+              <a:gd name="T6" fmla="*/ 12 w 47"/>
+              <a:gd name="T7" fmla="*/ 10 h 50"/>
+              <a:gd name="T8" fmla="*/ 8 w 47"/>
+              <a:gd name="T9" fmla="*/ 10 h 50"/>
+              <a:gd name="T10" fmla="*/ 37 w 47"/>
+              <a:gd name="T11" fmla="*/ 8 h 50"/>
+              <a:gd name="T12" fmla="*/ 39 w 47"/>
+              <a:gd name="T13" fmla="*/ 10 h 50"/>
+              <a:gd name="T14" fmla="*/ 35 w 47"/>
+              <a:gd name="T15" fmla="*/ 10 h 50"/>
+              <a:gd name="T16" fmla="*/ 24 w 47"/>
+              <a:gd name="T17" fmla="*/ 36 h 50"/>
+              <a:gd name="T18" fmla="*/ 31 w 47"/>
+              <a:gd name="T19" fmla="*/ 27 h 50"/>
+              <a:gd name="T20" fmla="*/ 33 w 47"/>
+              <a:gd name="T21" fmla="*/ 14 h 50"/>
+              <a:gd name="T22" fmla="*/ 32 w 47"/>
+              <a:gd name="T23" fmla="*/ 13 h 50"/>
+              <a:gd name="T24" fmla="*/ 14 w 47"/>
+              <a:gd name="T25" fmla="*/ 14 h 50"/>
+              <a:gd name="T26" fmla="*/ 16 w 47"/>
+              <a:gd name="T27" fmla="*/ 27 h 50"/>
+              <a:gd name="T28" fmla="*/ 33 w 47"/>
+              <a:gd name="T29" fmla="*/ 28 h 50"/>
+              <a:gd name="T30" fmla="*/ 24 w 47"/>
+              <a:gd name="T31" fmla="*/ 38 h 50"/>
+              <a:gd name="T32" fmla="*/ 23 w 47"/>
+              <a:gd name="T33" fmla="*/ 38 h 50"/>
+              <a:gd name="T34" fmla="*/ 10 w 47"/>
+              <a:gd name="T35" fmla="*/ 15 h 50"/>
+              <a:gd name="T36" fmla="*/ 12 w 47"/>
+              <a:gd name="T37" fmla="*/ 13 h 50"/>
+              <a:gd name="T38" fmla="*/ 13 w 47"/>
+              <a:gd name="T39" fmla="*/ 11 h 50"/>
+              <a:gd name="T40" fmla="*/ 33 w 47"/>
+              <a:gd name="T41" fmla="*/ 11 h 50"/>
+              <a:gd name="T42" fmla="*/ 35 w 47"/>
+              <a:gd name="T43" fmla="*/ 13 h 50"/>
+              <a:gd name="T44" fmla="*/ 36 w 47"/>
+              <a:gd name="T45" fmla="*/ 14 h 50"/>
+              <a:gd name="T46" fmla="*/ 37 w 47"/>
+              <a:gd name="T47" fmla="*/ 15 h 50"/>
+              <a:gd name="T48" fmla="*/ 24 w 47"/>
+              <a:gd name="T49" fmla="*/ 46 h 50"/>
+              <a:gd name="T50" fmla="*/ 43 w 47"/>
+              <a:gd name="T51" fmla="*/ 11 h 50"/>
+              <a:gd name="T52" fmla="*/ 38 w 47"/>
+              <a:gd name="T53" fmla="*/ 4 h 50"/>
+              <a:gd name="T54" fmla="*/ 4 w 47"/>
+              <a:gd name="T55" fmla="*/ 10 h 50"/>
+              <a:gd name="T56" fmla="*/ 24 w 47"/>
+              <a:gd name="T57" fmla="*/ 46 h 50"/>
+              <a:gd name="T58" fmla="*/ 24 w 47"/>
+              <a:gd name="T59" fmla="*/ 49 h 50"/>
+              <a:gd name="T60" fmla="*/ 0 w 47"/>
+              <a:gd name="T61" fmla="*/ 11 h 50"/>
+              <a:gd name="T62" fmla="*/ 0 w 47"/>
+              <a:gd name="T63" fmla="*/ 8 h 50"/>
+              <a:gd name="T64" fmla="*/ 6 w 47"/>
+              <a:gd name="T65" fmla="*/ 2 h 50"/>
+              <a:gd name="T66" fmla="*/ 8 w 47"/>
+              <a:gd name="T67" fmla="*/ 0 h 50"/>
+              <a:gd name="T68" fmla="*/ 39 w 47"/>
+              <a:gd name="T69" fmla="*/ 0 h 50"/>
+              <a:gd name="T70" fmla="*/ 45 w 47"/>
+              <a:gd name="T71" fmla="*/ 7 h 50"/>
+              <a:gd name="T72" fmla="*/ 47 w 47"/>
+              <a:gd name="T73" fmla="*/ 10 h 50"/>
+              <a:gd name="T74" fmla="*/ 24 w 47"/>
+              <a:gd name="T75" fmla="*/ 49 h 50"/>
+            </a:gdLst>
+            <a:ahLst/>
+            <a:cxnLst>
+              <a:cxn ang="0">
+                <a:pos x="T0" y="T1"/>
+              </a:cxn>
+              <a:cxn ang="0">
+                <a:pos x="T2" y="T3"/>
+              </a:cxn>
+              <a:cxn ang="0">
+                <a:pos x="T4" y="T5"/>
+              </a:cxn>
+              <a:cxn ang="0">
+                <a:pos x="T6" y="T7"/>
+              </a:cxn>
+              <a:cxn ang="0">
+                <a:pos x="T8" y="T9"/>
+              </a:cxn>
+              <a:cxn ang="0">
+                <a:pos x="T10" y="T11"/>
+              </a:cxn>
+              <a:cxn ang="0">
+                <a:pos x="T12" y="T13"/>
+              </a:cxn>
+              <a:cxn ang="0">
+                <a:pos x="T14" y="T15"/>
+              </a:cxn>
+              <a:cxn ang="0">
+                <a:pos x="T16" y="T17"/>
+              </a:cxn>
+              <a:cxn ang="0">
+                <a:pos x="T18" y="T19"/>
+              </a:cxn>
+              <a:cxn ang="0">
+                <a:pos x="T20" y="T21"/>
+              </a:cxn>
+              <a:cxn ang="0">
+                <a:pos x="T22" y="T23"/>
+              </a:cxn>
+              <a:cxn ang="0">
+                <a:pos x="T24" y="T25"/>
+              </a:cxn>
+              <a:cxn ang="0">
+                <a:pos x="T26" y="T27"/>
+              </a:cxn>
+              <a:cxn ang="0">
+                <a:pos x="T28" y="T29"/>
+              </a:cxn>
+              <a:cxn ang="0">
+                <a:pos x="T30" y="T31"/>
+              </a:cxn>
+              <a:cxn ang="0">
+                <a:pos x="T32" y="T33"/>
+              </a:cxn>
+              <a:cxn ang="0">
+                <a:pos x="T34" y="T35"/>
+              </a:cxn>
+              <a:cxn ang="0">
+                <a:pos x="T36" y="T37"/>
+              </a:cxn>
+              <a:cxn ang="0">
+                <a:pos x="T38" y="T39"/>
+              </a:cxn>
+              <a:cxn ang="0">
+                <a:pos x="T40" y="T41"/>
+              </a:cxn>
+              <a:cxn ang="0">
+                <a:pos x="T42" y="T43"/>
+              </a:cxn>
+              <a:cxn ang="0">
+                <a:pos x="T44" y="T45"/>
+              </a:cxn>
+              <a:cxn ang="0">
+                <a:pos x="T46" y="T47"/>
+              </a:cxn>
+              <a:cxn ang="0">
+                <a:pos x="T48" y="T49"/>
+              </a:cxn>
+              <a:cxn ang="0">
+                <a:pos x="T50" y="T51"/>
+              </a:cxn>
+              <a:cxn ang="0">
+                <a:pos x="T52" y="T53"/>
+              </a:cxn>
+              <a:cxn ang="0">
+                <a:pos x="T54" y="T55"/>
+              </a:cxn>
+              <a:cxn ang="0">
+                <a:pos x="T56" y="T57"/>
+              </a:cxn>
+              <a:cxn ang="0">
+                <a:pos x="T58" y="T59"/>
+              </a:cxn>
+              <a:cxn ang="0">
+                <a:pos x="T60" y="T61"/>
+              </a:cxn>
+              <a:cxn ang="0">
+                <a:pos x="T62" y="T63"/>
+              </a:cxn>
+              <a:cxn ang="0">
+                <a:pos x="T64" y="T65"/>
+              </a:cxn>
+              <a:cxn ang="0">
+                <a:pos x="T66" y="T67"/>
+              </a:cxn>
+              <a:cxn ang="0">
+                <a:pos x="T68" y="T69"/>
+              </a:cxn>
+              <a:cxn ang="0">
+                <a:pos x="T70" y="T71"/>
+              </a:cxn>
+              <a:cxn ang="0">
+                <a:pos x="T72" y="T73"/>
+              </a:cxn>
+              <a:cxn ang="0">
+                <a:pos x="T74" y="T75"/>
+              </a:cxn>
+            </a:cxnLst>
+            <a:rect l="0" t="0" r="r" b="b"/>
+            <a:pathLst>
+              <a:path w="47" h="50">
+                <a:moveTo>
+                  <a:pt x="24" y="39"/>
+                </a:moveTo>
+                <a:cubicBezTo>
+                  <a:pt x="25" y="39"/>
+                  <a:pt x="26" y="40"/>
+                  <a:pt x="26" y="41"/>
+                </a:cubicBezTo>
+                <a:cubicBezTo>
+                  <a:pt x="26" y="42"/>
+                  <a:pt x="25" y="43"/>
+                  <a:pt x="24" y="43"/>
+                </a:cubicBezTo>
+                <a:cubicBezTo>
+                  <a:pt x="23" y="43"/>
+                  <a:pt x="22" y="42"/>
+                  <a:pt x="22" y="41"/>
+                </a:cubicBezTo>
+                <a:cubicBezTo>
+                  <a:pt x="22" y="40"/>
+                  <a:pt x="23" y="39"/>
+                  <a:pt x="24" y="39"/>
+                </a:cubicBezTo>
+                <a:close/>
+                <a:moveTo>
+                  <a:pt x="10" y="8"/>
+                </a:moveTo>
+                <a:cubicBezTo>
+                  <a:pt x="10" y="8"/>
+                  <a:pt x="10" y="8"/>
+                  <a:pt x="10" y="8"/>
+                </a:cubicBezTo>
+                <a:cubicBezTo>
+                  <a:pt x="11" y="8"/>
+                  <a:pt x="12" y="9"/>
+                  <a:pt x="12" y="10"/>
+                </a:cubicBezTo>
+                <a:cubicBezTo>
+                  <a:pt x="12" y="11"/>
+                  <a:pt x="11" y="12"/>
+                  <a:pt x="10" y="12"/>
+                </a:cubicBezTo>
+                <a:cubicBezTo>
+                  <a:pt x="9" y="12"/>
+                  <a:pt x="8" y="11"/>
+                  <a:pt x="8" y="10"/>
+                </a:cubicBezTo>
+                <a:cubicBezTo>
+                  <a:pt x="8" y="9"/>
+                  <a:pt x="9" y="8"/>
+                  <a:pt x="10" y="8"/>
+                </a:cubicBezTo>
+                <a:close/>
+                <a:moveTo>
+                  <a:pt x="37" y="8"/>
+                </a:moveTo>
+                <a:cubicBezTo>
+                  <a:pt x="37" y="8"/>
+                  <a:pt x="37" y="8"/>
+                  <a:pt x="37" y="8"/>
+                </a:cubicBezTo>
+                <a:cubicBezTo>
+                  <a:pt x="38" y="8"/>
+                  <a:pt x="39" y="9"/>
+                  <a:pt x="39" y="10"/>
+                </a:cubicBezTo>
+                <a:cubicBezTo>
+                  <a:pt x="39" y="11"/>
+                  <a:pt x="38" y="12"/>
+                  <a:pt x="37" y="12"/>
+                </a:cubicBezTo>
+                <a:cubicBezTo>
+                  <a:pt x="36" y="12"/>
+                  <a:pt x="35" y="11"/>
+                  <a:pt x="35" y="10"/>
+                </a:cubicBezTo>
+                <a:cubicBezTo>
+                  <a:pt x="35" y="9"/>
+                  <a:pt x="36" y="8"/>
+                  <a:pt x="37" y="8"/>
+                </a:cubicBezTo>
+                <a:close/>
+                <a:moveTo>
+                  <a:pt x="24" y="36"/>
+                </a:moveTo>
+                <a:cubicBezTo>
+                  <a:pt x="24" y="36"/>
+                  <a:pt x="24" y="36"/>
+                  <a:pt x="24" y="36"/>
+                </a:cubicBezTo>
+                <a:cubicBezTo>
+                  <a:pt x="27" y="34"/>
+                  <a:pt x="29" y="31"/>
+                  <a:pt x="31" y="27"/>
+                </a:cubicBezTo>
+                <a:cubicBezTo>
+                  <a:pt x="33" y="24"/>
+                  <a:pt x="34" y="19"/>
+                  <a:pt x="34" y="15"/>
+                </a:cubicBezTo>
+                <a:cubicBezTo>
+                  <a:pt x="34" y="15"/>
+                  <a:pt x="34" y="15"/>
+                  <a:pt x="33" y="14"/>
+                </a:cubicBezTo>
+                <a:cubicBezTo>
+                  <a:pt x="33" y="14"/>
+                  <a:pt x="33" y="14"/>
+                  <a:pt x="33" y="14"/>
+                </a:cubicBezTo>
+                <a:cubicBezTo>
+                  <a:pt x="33" y="14"/>
+                  <a:pt x="33" y="14"/>
+                  <a:pt x="32" y="13"/>
+                </a:cubicBezTo>
+                <a:cubicBezTo>
+                  <a:pt x="15" y="13"/>
+                  <a:pt x="15" y="13"/>
+                  <a:pt x="15" y="13"/>
+                </a:cubicBezTo>
+                <a:cubicBezTo>
+                  <a:pt x="14" y="14"/>
+                  <a:pt x="14" y="14"/>
+                  <a:pt x="14" y="14"/>
+                </a:cubicBezTo>
+                <a:cubicBezTo>
+                  <a:pt x="13" y="15"/>
+                  <a:pt x="13" y="15"/>
+                  <a:pt x="13" y="15"/>
+                </a:cubicBezTo>
+                <a:cubicBezTo>
+                  <a:pt x="13" y="19"/>
+                  <a:pt x="15" y="24"/>
+                  <a:pt x="16" y="27"/>
+                </a:cubicBezTo>
+                <a:cubicBezTo>
+                  <a:pt x="18" y="31"/>
+                  <a:pt x="21" y="34"/>
+                  <a:pt x="24" y="36"/>
+                </a:cubicBezTo>
+                <a:close/>
+                <a:moveTo>
+                  <a:pt x="33" y="28"/>
+                </a:moveTo>
+                <a:cubicBezTo>
+                  <a:pt x="33" y="28"/>
+                  <a:pt x="33" y="28"/>
+                  <a:pt x="33" y="28"/>
+                </a:cubicBezTo>
+                <a:cubicBezTo>
+                  <a:pt x="31" y="32"/>
+                  <a:pt x="28" y="36"/>
+                  <a:pt x="24" y="38"/>
+                </a:cubicBezTo>
+                <a:cubicBezTo>
+                  <a:pt x="24" y="38"/>
+                  <a:pt x="24" y="38"/>
+                  <a:pt x="24" y="38"/>
+                </a:cubicBezTo>
+                <a:cubicBezTo>
+                  <a:pt x="24" y="39"/>
+                  <a:pt x="23" y="39"/>
+                  <a:pt x="23" y="38"/>
+                </a:cubicBezTo>
+                <a:cubicBezTo>
+                  <a:pt x="19" y="36"/>
+                  <a:pt x="17" y="32"/>
+                  <a:pt x="14" y="28"/>
+                </a:cubicBezTo>
+                <a:cubicBezTo>
+                  <a:pt x="12" y="24"/>
+                  <a:pt x="11" y="20"/>
+                  <a:pt x="10" y="15"/>
+                </a:cubicBezTo>
+                <a:cubicBezTo>
+                  <a:pt x="10" y="15"/>
+                  <a:pt x="10" y="14"/>
+                  <a:pt x="11" y="14"/>
+                </a:cubicBezTo>
+                <a:cubicBezTo>
+                  <a:pt x="11" y="14"/>
+                  <a:pt x="12" y="13"/>
+                  <a:pt x="12" y="13"/>
+                </a:cubicBezTo>
+                <a:cubicBezTo>
+                  <a:pt x="12" y="13"/>
+                  <a:pt x="12" y="13"/>
+                  <a:pt x="12" y="13"/>
+                </a:cubicBezTo>
+                <a:cubicBezTo>
+                  <a:pt x="13" y="12"/>
+                  <a:pt x="13" y="12"/>
+                  <a:pt x="13" y="11"/>
+                </a:cubicBezTo>
+                <a:cubicBezTo>
+                  <a:pt x="13" y="11"/>
+                  <a:pt x="14" y="11"/>
+                  <a:pt x="14" y="11"/>
+                </a:cubicBezTo>
+                <a:cubicBezTo>
+                  <a:pt x="33" y="11"/>
+                  <a:pt x="33" y="11"/>
+                  <a:pt x="33" y="11"/>
+                </a:cubicBezTo>
+                <a:cubicBezTo>
+                  <a:pt x="33" y="11"/>
+                  <a:pt x="34" y="11"/>
+                  <a:pt x="34" y="11"/>
+                </a:cubicBezTo>
+                <a:cubicBezTo>
+                  <a:pt x="34" y="12"/>
+                  <a:pt x="35" y="12"/>
+                  <a:pt x="35" y="13"/>
+                </a:cubicBezTo>
+                <a:cubicBezTo>
+                  <a:pt x="35" y="13"/>
+                  <a:pt x="35" y="13"/>
+                  <a:pt x="35" y="13"/>
+                </a:cubicBezTo>
+                <a:cubicBezTo>
+                  <a:pt x="36" y="13"/>
+                  <a:pt x="36" y="14"/>
+                  <a:pt x="36" y="14"/>
+                </a:cubicBezTo>
+                <a:cubicBezTo>
+                  <a:pt x="36" y="14"/>
+                  <a:pt x="36" y="14"/>
+                  <a:pt x="36" y="14"/>
+                </a:cubicBezTo>
+                <a:cubicBezTo>
+                  <a:pt x="37" y="14"/>
+                  <a:pt x="37" y="15"/>
+                  <a:pt x="37" y="15"/>
+                </a:cubicBezTo>
+                <a:cubicBezTo>
+                  <a:pt x="36" y="20"/>
+                  <a:pt x="35" y="24"/>
+                  <a:pt x="33" y="28"/>
+                </a:cubicBezTo>
+                <a:close/>
+                <a:moveTo>
+                  <a:pt x="24" y="46"/>
+                </a:moveTo>
+                <a:cubicBezTo>
+                  <a:pt x="24" y="46"/>
+                  <a:pt x="24" y="46"/>
+                  <a:pt x="24" y="46"/>
+                </a:cubicBezTo>
+                <a:cubicBezTo>
+                  <a:pt x="36" y="39"/>
+                  <a:pt x="43" y="25"/>
+                  <a:pt x="43" y="11"/>
+                </a:cubicBezTo>
+                <a:cubicBezTo>
+                  <a:pt x="43" y="10"/>
+                  <a:pt x="43" y="10"/>
+                  <a:pt x="43" y="10"/>
+                </a:cubicBezTo>
+                <a:cubicBezTo>
+                  <a:pt x="40" y="9"/>
+                  <a:pt x="38" y="7"/>
+                  <a:pt x="38" y="4"/>
+                </a:cubicBezTo>
+                <a:cubicBezTo>
+                  <a:pt x="10" y="4"/>
+                  <a:pt x="10" y="4"/>
+                  <a:pt x="10" y="4"/>
+                </a:cubicBezTo>
+                <a:cubicBezTo>
+                  <a:pt x="9" y="7"/>
+                  <a:pt x="7" y="9"/>
+                  <a:pt x="4" y="10"/>
+                </a:cubicBezTo>
+                <a:cubicBezTo>
+                  <a:pt x="4" y="11"/>
+                  <a:pt x="4" y="11"/>
+                  <a:pt x="4" y="11"/>
+                </a:cubicBezTo>
+                <a:cubicBezTo>
+                  <a:pt x="4" y="25"/>
+                  <a:pt x="11" y="39"/>
+                  <a:pt x="24" y="46"/>
+                </a:cubicBezTo>
+                <a:close/>
+                <a:moveTo>
+                  <a:pt x="24" y="49"/>
+                </a:moveTo>
+                <a:cubicBezTo>
+                  <a:pt x="24" y="49"/>
+                  <a:pt x="24" y="49"/>
+                  <a:pt x="24" y="49"/>
+                </a:cubicBezTo>
+                <a:cubicBezTo>
+                  <a:pt x="24" y="50"/>
+                  <a:pt x="23" y="50"/>
+                  <a:pt x="23" y="49"/>
+                </a:cubicBezTo>
+                <a:cubicBezTo>
+                  <a:pt x="8" y="43"/>
+                  <a:pt x="0" y="27"/>
+                  <a:pt x="0" y="11"/>
+                </a:cubicBezTo>
+                <a:cubicBezTo>
+                  <a:pt x="0" y="11"/>
+                  <a:pt x="0" y="10"/>
+                  <a:pt x="0" y="10"/>
+                </a:cubicBezTo>
+                <a:cubicBezTo>
+                  <a:pt x="0" y="9"/>
+                  <a:pt x="0" y="9"/>
+                  <a:pt x="0" y="8"/>
+                </a:cubicBezTo>
+                <a:cubicBezTo>
+                  <a:pt x="0" y="8"/>
+                  <a:pt x="1" y="7"/>
+                  <a:pt x="2" y="7"/>
+                </a:cubicBezTo>
+                <a:cubicBezTo>
+                  <a:pt x="4" y="6"/>
+                  <a:pt x="6" y="4"/>
+                  <a:pt x="6" y="2"/>
+                </a:cubicBezTo>
+                <a:cubicBezTo>
+                  <a:pt x="6" y="2"/>
+                  <a:pt x="6" y="2"/>
+                  <a:pt x="6" y="2"/>
+                </a:cubicBezTo>
+                <a:cubicBezTo>
+                  <a:pt x="6" y="1"/>
+                  <a:pt x="7" y="0"/>
+                  <a:pt x="8" y="0"/>
+                </a:cubicBezTo>
+                <a:cubicBezTo>
+                  <a:pt x="39" y="0"/>
+                  <a:pt x="39" y="0"/>
+                  <a:pt x="39" y="0"/>
+                </a:cubicBezTo>
+                <a:cubicBezTo>
+                  <a:pt x="39" y="0"/>
+                  <a:pt x="39" y="0"/>
+                  <a:pt x="39" y="0"/>
+                </a:cubicBezTo>
+                <a:cubicBezTo>
+                  <a:pt x="40" y="0"/>
+                  <a:pt x="41" y="1"/>
+                  <a:pt x="41" y="2"/>
+                </a:cubicBezTo>
+                <a:cubicBezTo>
+                  <a:pt x="41" y="4"/>
+                  <a:pt x="43" y="6"/>
+                  <a:pt x="45" y="7"/>
+                </a:cubicBezTo>
+                <a:cubicBezTo>
+                  <a:pt x="46" y="7"/>
+                  <a:pt x="47" y="7"/>
+                  <a:pt x="47" y="8"/>
+                </a:cubicBezTo>
+                <a:cubicBezTo>
+                  <a:pt x="47" y="9"/>
+                  <a:pt x="47" y="9"/>
+                  <a:pt x="47" y="10"/>
+                </a:cubicBezTo>
+                <a:cubicBezTo>
+                  <a:pt x="47" y="10"/>
+                  <a:pt x="47" y="11"/>
+                  <a:pt x="47" y="11"/>
+                </a:cubicBezTo>
+                <a:cubicBezTo>
+                  <a:pt x="47" y="27"/>
+                  <a:pt x="39" y="42"/>
+                  <a:pt x="24" y="49"/>
+                </a:cubicBezTo>
+                <a:close/>
+              </a:path>
+            </a:pathLst>
+          </a:custGeom>
+          <a:solidFill>
+            <a:schemeClr val="accent4">
+              <a:lumMod val="20000"/>
+              <a:lumOff val="80000"/>
+            </a:schemeClr>
+          </a:solidFill>
+          <a:ln>
+            <a:noFill/>
+          </a:ln>
+          <a:effectLst/>
+        </p:spPr>
+        <p:txBody>
+          <a:bodyPr/>
+          <a:lstStyle/>
+          <a:p>
+            <a:endParaRPr lang="zh-CN" altLang="en-US"/>
+          </a:p>
+        </p:txBody>
+      </p:sp>
+      <p:cxnSp>
+        <p:nvCxnSpPr>
+          <p:cNvPr id="7" name="直接连接符 6">
+            <a:extLst>
+              <a:ext uri="{FF2B5EF4-FFF2-40B4-BE49-F238E27FC236}">
+                <a16:creationId xmlns:a16="http://schemas.microsoft.com/office/drawing/2014/main" id="{29242D59-EB61-41AC-898F-5307297AC705}"/>
+              </a:ext>
+            </a:extLst>
+          </p:cNvPr>
+          <p:cNvCxnSpPr>
+            <a:cxnSpLocks/>
+          </p:cNvCxnSpPr>
+          <p:nvPr/>
+        </p:nvCxnSpPr>
+        <p:spPr>
+          <a:xfrm>
+            <a:off x="4175911" y="970434"/>
+            <a:ext cx="3742099" cy="0"/>
+          </a:xfrm>
+          <a:prstGeom prst="line">
+            <a:avLst/>
+          </a:prstGeom>
+          <a:ln w="9525">
+            <a:gradFill>
+              <a:gsLst>
+                <a:gs pos="55000">
+                  <a:srgbClr val="DFE7F5">
+                    <a:alpha val="55000"/>
+                  </a:srgbClr>
+                </a:gs>
+                <a:gs pos="0">
+                  <a:schemeClr val="accent1">
+                    <a:lumMod val="5000"/>
+                    <a:lumOff val="95000"/>
+                    <a:alpha val="0"/>
+                  </a:schemeClr>
+                </a:gs>
+                <a:gs pos="100000">
+                  <a:schemeClr val="bg1">
+                    <a:alpha val="0"/>
+                  </a:schemeClr>
+                </a:gs>
+              </a:gsLst>
+              <a:lin ang="10800000" scaled="0"/>
+            </a:gradFill>
+          </a:ln>
+        </p:spPr>
+        <p:style>
+          <a:lnRef idx="1">
+            <a:schemeClr val="accent1"/>
+          </a:lnRef>
+          <a:fillRef idx="0">
+            <a:schemeClr val="accent1"/>
+          </a:fillRef>
+          <a:effectRef idx="0">
+            <a:schemeClr val="accent1"/>
+          </a:effectRef>
+          <a:fontRef idx="minor">
+            <a:schemeClr val="tx1"/>
+          </a:fontRef>
+        </p:style>
+      </p:cxnSp>
+    </p:spTree>
+    <p:extLst>
+      <p:ext uri="{BB962C8B-B14F-4D97-AF65-F5344CB8AC3E}">
+        <p14:creationId xmlns:p14="http://schemas.microsoft.com/office/powerpoint/2010/main" val="3338781713"/>
+      </p:ext>
+    </p:extLst>
+  </p:cSld>
+  <p:clrMapOvr>
+    <a:masterClrMapping/>
+  </p:clrMapOvr>
+</p:sld>
+</file>
+
+<file path=ppt/slides/slide4.xml><?xml version="1.0" encoding="utf-8"?>
+<p:sld xmlns:a="http://schemas.openxmlformats.org/drawingml/2006/main" xmlns:r="http://schemas.openxmlformats.org/officeDocument/2006/relationships" xmlns:p="http://schemas.openxmlformats.org/presentationml/2006/main">
+  <p:cSld>
+    <p:spTree>
+      <p:nvGrpSpPr>
+        <p:cNvPr id="1" name=""/>
+        <p:cNvGrpSpPr/>
+        <p:nvPr/>
+      </p:nvGrpSpPr>
+      <p:grpSpPr>
+        <a:xfrm>
+          <a:off x="0" y="0"/>
+          <a:ext cx="0" cy="0"/>
+          <a:chOff x="0" y="0"/>
+          <a:chExt cx="0" cy="0"/>
+        </a:xfrm>
+      </p:grpSpPr>
+      <p:sp>
+        <p:nvSpPr>
+          <p:cNvPr id="4" name="矩形 3">
+            <a:extLst>
+              <a:ext uri="{FF2B5EF4-FFF2-40B4-BE49-F238E27FC236}">
+                <a16:creationId xmlns:a16="http://schemas.microsoft.com/office/drawing/2014/main" id="{2EEF6105-8110-40BD-B3DB-6ABC7D4ACE5A}"/>
+              </a:ext>
+            </a:extLst>
+          </p:cNvPr>
+          <p:cNvSpPr/>
+          <p:nvPr/>
+        </p:nvSpPr>
+        <p:spPr>
+          <a:xfrm>
+            <a:off x="8715221" y="1094032"/>
+            <a:ext cx="3519478" cy="4669937"/>
+          </a:xfrm>
+          <a:prstGeom prst="rect">
+            <a:avLst/>
+          </a:prstGeom>
+          <a:solidFill>
+            <a:schemeClr val="bg2">
+              <a:lumMod val="10000"/>
+              <a:alpha val="88000"/>
+            </a:schemeClr>
+          </a:solidFill>
+          <a:ln>
+            <a:noFill/>
+          </a:ln>
+          <a:effectLst>
+            <a:softEdge rad="88900"/>
+          </a:effectLst>
+        </p:spPr>
+        <p:style>
+          <a:lnRef idx="2">
+            <a:schemeClr val="accent1">
+              <a:shade val="50000"/>
+            </a:schemeClr>
+          </a:lnRef>
+          <a:fillRef idx="1">
+            <a:schemeClr val="accent1"/>
+          </a:fillRef>
+          <a:effectRef idx="0">
+            <a:schemeClr val="accent1"/>
+          </a:effectRef>
+          <a:fontRef idx="minor">
+            <a:schemeClr val="lt1"/>
+          </a:fontRef>
+        </p:style>
+        <p:txBody>
+          <a:bodyPr rtlCol="0" anchor="ctr"/>
+          <a:lstStyle/>
+          <a:p>
+            <a:pPr algn="ctr"/>
+            <a:endParaRPr lang="zh-CN" altLang="en-US" dirty="0"/>
+          </a:p>
+        </p:txBody>
+      </p:sp>
+      <p:sp>
+        <p:nvSpPr>
+          <p:cNvPr id="24" name="矩形 23">
+            <a:extLst>
+              <a:ext uri="{FF2B5EF4-FFF2-40B4-BE49-F238E27FC236}">
+                <a16:creationId xmlns:a16="http://schemas.microsoft.com/office/drawing/2014/main" id="{83DB7BB9-A66E-4936-B992-D2A418586AA6}"/>
+              </a:ext>
+            </a:extLst>
+          </p:cNvPr>
+          <p:cNvSpPr/>
+          <p:nvPr/>
+        </p:nvSpPr>
+        <p:spPr>
+          <a:xfrm>
+            <a:off x="10112881" y="1561954"/>
+            <a:ext cx="2079119" cy="1203513"/>
+          </a:xfrm>
+          <a:prstGeom prst="rect">
+            <a:avLst/>
+          </a:prstGeom>
+          <a:solidFill>
+            <a:schemeClr val="bg1">
+              <a:alpha val="10000"/>
+            </a:schemeClr>
+          </a:solidFill>
+          <a:ln>
+            <a:noFill/>
+          </a:ln>
+        </p:spPr>
+        <p:style>
+          <a:lnRef idx="2">
+            <a:schemeClr val="accent1">
+              <a:shade val="50000"/>
+            </a:schemeClr>
+          </a:lnRef>
+          <a:fillRef idx="1">
+            <a:schemeClr val="accent1"/>
+          </a:fillRef>
+          <a:effectRef idx="0">
+            <a:schemeClr val="accent1"/>
+          </a:effectRef>
+          <a:fontRef idx="minor">
+            <a:schemeClr val="lt1"/>
+          </a:fontRef>
+        </p:style>
+        <p:txBody>
+          <a:bodyPr rtlCol="0" anchor="ctr"/>
+          <a:lstStyle/>
+          <a:p>
+            <a:pPr algn="ctr"/>
+            <a:endParaRPr lang="zh-CN" altLang="en-US" dirty="0"/>
+          </a:p>
+        </p:txBody>
+      </p:sp>
+      <p:grpSp>
+        <p:nvGrpSpPr>
+          <p:cNvPr id="33" name="组合 32">
+            <a:extLst>
+              <a:ext uri="{FF2B5EF4-FFF2-40B4-BE49-F238E27FC236}">
+                <a16:creationId xmlns:a16="http://schemas.microsoft.com/office/drawing/2014/main" id="{BEB7C3AF-E77E-4EE7-BD21-F860B3CA1161}"/>
+              </a:ext>
+            </a:extLst>
+          </p:cNvPr>
+          <p:cNvGrpSpPr/>
+          <p:nvPr/>
+        </p:nvGrpSpPr>
+        <p:grpSpPr>
+          <a:xfrm>
+            <a:off x="10658069" y="1733904"/>
+            <a:ext cx="912818" cy="801692"/>
+            <a:chOff x="488950" y="4256088"/>
+            <a:chExt cx="547688" cy="481013"/>
+          </a:xfrm>
+          <a:solidFill>
+            <a:schemeClr val="bg1">
+              <a:alpha val="5000"/>
+            </a:schemeClr>
+          </a:solidFill>
+        </p:grpSpPr>
+        <p:sp>
+          <p:nvSpPr>
+            <p:cNvPr id="26" name="Rectangle 169">
+              <a:extLst>
+                <a:ext uri="{FF2B5EF4-FFF2-40B4-BE49-F238E27FC236}">
+                  <a16:creationId xmlns:a16="http://schemas.microsoft.com/office/drawing/2014/main" id="{D2CC9150-803C-42FB-BA98-3B326FF59306}"/>
+                </a:ext>
+              </a:extLst>
+            </p:cNvPr>
+            <p:cNvSpPr>
+              <a:spLocks noChangeArrowheads="1"/>
+            </p:cNvSpPr>
+            <p:nvPr/>
+          </p:nvSpPr>
+          <p:spPr bwMode="auto">
+            <a:xfrm>
+              <a:off x="733425" y="4392613"/>
+              <a:ext cx="53975" cy="7938"/>
+            </a:xfrm>
+            <a:prstGeom prst="rect">
+              <a:avLst/>
+            </a:prstGeom>
+            <a:grpFill/>
+            <a:ln>
+              <a:noFill/>
+            </a:ln>
+            <a:extLst>
+              <a:ext uri="{91240B29-F687-4F45-9708-019B960494DF}">
+                <a14:hiddenLine xmlns:a14="http://schemas.microsoft.com/office/drawing/2010/main" w="9525">
+                  <a:solidFill>
+                    <a:srgbClr val="000000"/>
+                  </a:solidFill>
+                  <a:miter lim="800000"/>
+                  <a:headEnd/>
+                  <a:tailEnd/>
+                </a14:hiddenLine>
+              </a:ext>
+            </a:extLst>
+          </p:spPr>
+          <p:txBody>
+            <a:bodyPr vert="horz" wrap="square" lIns="91440" tIns="45720" rIns="91440" bIns="45720" numCol="1" anchor="t" anchorCtr="0" compatLnSpc="1">
+              <a:prstTxWarp prst="textNoShape">
+                <a:avLst/>
+              </a:prstTxWarp>
+            </a:bodyPr>
+            <a:lstStyle/>
+            <a:p>
+              <a:endParaRPr lang="zh-CN" altLang="en-US"/>
+            </a:p>
+          </p:txBody>
+        </p:sp>
+        <p:sp>
+          <p:nvSpPr>
+            <p:cNvPr id="27" name="Freeform 170">
+              <a:extLst>
+                <a:ext uri="{FF2B5EF4-FFF2-40B4-BE49-F238E27FC236}">
+                  <a16:creationId xmlns:a16="http://schemas.microsoft.com/office/drawing/2014/main" id="{87D23958-334A-40E3-BA10-AEFB67A2A0A2}"/>
+                </a:ext>
+              </a:extLst>
+            </p:cNvPr>
+            <p:cNvSpPr>
+              <a:spLocks noEditPoints="1"/>
+            </p:cNvSpPr>
+            <p:nvPr/>
+          </p:nvSpPr>
+          <p:spPr bwMode="auto">
+            <a:xfrm>
+              <a:off x="560388" y="4392613"/>
+              <a:ext cx="401638" cy="279400"/>
+            </a:xfrm>
+            <a:custGeom>
+              <a:avLst/>
+              <a:gdLst>
+                <a:gd name="T0" fmla="*/ 53 w 141"/>
+                <a:gd name="T1" fmla="*/ 0 h 98"/>
+                <a:gd name="T2" fmla="*/ 48 w 141"/>
+                <a:gd name="T3" fmla="*/ 0 h 98"/>
+                <a:gd name="T4" fmla="*/ 0 w 141"/>
+                <a:gd name="T5" fmla="*/ 0 h 98"/>
+                <a:gd name="T6" fmla="*/ 0 w 141"/>
+                <a:gd name="T7" fmla="*/ 98 h 98"/>
+                <a:gd name="T8" fmla="*/ 141 w 141"/>
+                <a:gd name="T9" fmla="*/ 98 h 98"/>
+                <a:gd name="T10" fmla="*/ 141 w 141"/>
+                <a:gd name="T11" fmla="*/ 0 h 98"/>
+                <a:gd name="T12" fmla="*/ 103 w 141"/>
+                <a:gd name="T13" fmla="*/ 0 h 98"/>
+                <a:gd name="T14" fmla="*/ 88 w 141"/>
+                <a:gd name="T15" fmla="*/ 0 h 98"/>
+                <a:gd name="T16" fmla="*/ 88 w 141"/>
+                <a:gd name="T17" fmla="*/ 11 h 98"/>
+                <a:gd name="T18" fmla="*/ 53 w 141"/>
+                <a:gd name="T19" fmla="*/ 11 h 98"/>
+                <a:gd name="T20" fmla="*/ 53 w 141"/>
+                <a:gd name="T21" fmla="*/ 0 h 98"/>
+                <a:gd name="T22" fmla="*/ 80 w 141"/>
+                <a:gd name="T23" fmla="*/ 27 h 98"/>
+                <a:gd name="T24" fmla="*/ 130 w 141"/>
+                <a:gd name="T25" fmla="*/ 27 h 98"/>
+                <a:gd name="T26" fmla="*/ 130 w 141"/>
+                <a:gd name="T27" fmla="*/ 35 h 98"/>
+                <a:gd name="T28" fmla="*/ 80 w 141"/>
+                <a:gd name="T29" fmla="*/ 35 h 98"/>
+                <a:gd name="T30" fmla="*/ 80 w 141"/>
+                <a:gd name="T31" fmla="*/ 27 h 98"/>
+                <a:gd name="T32" fmla="*/ 80 w 141"/>
+                <a:gd name="T33" fmla="*/ 51 h 98"/>
+                <a:gd name="T34" fmla="*/ 130 w 141"/>
+                <a:gd name="T35" fmla="*/ 51 h 98"/>
+                <a:gd name="T36" fmla="*/ 130 w 141"/>
+                <a:gd name="T37" fmla="*/ 59 h 98"/>
+                <a:gd name="T38" fmla="*/ 80 w 141"/>
+                <a:gd name="T39" fmla="*/ 59 h 98"/>
+                <a:gd name="T40" fmla="*/ 80 w 141"/>
+                <a:gd name="T41" fmla="*/ 51 h 98"/>
+                <a:gd name="T42" fmla="*/ 80 w 141"/>
+                <a:gd name="T43" fmla="*/ 75 h 98"/>
+                <a:gd name="T44" fmla="*/ 130 w 141"/>
+                <a:gd name="T45" fmla="*/ 75 h 98"/>
+                <a:gd name="T46" fmla="*/ 130 w 141"/>
+                <a:gd name="T47" fmla="*/ 84 h 98"/>
+                <a:gd name="T48" fmla="*/ 80 w 141"/>
+                <a:gd name="T49" fmla="*/ 84 h 98"/>
+                <a:gd name="T50" fmla="*/ 80 w 141"/>
+                <a:gd name="T51" fmla="*/ 75 h 98"/>
+                <a:gd name="T52" fmla="*/ 65 w 141"/>
+                <a:gd name="T53" fmla="*/ 86 h 98"/>
+                <a:gd name="T54" fmla="*/ 65 w 141"/>
+                <a:gd name="T55" fmla="*/ 91 h 98"/>
+                <a:gd name="T56" fmla="*/ 4 w 141"/>
+                <a:gd name="T57" fmla="*/ 91 h 98"/>
+                <a:gd name="T58" fmla="*/ 4 w 141"/>
+                <a:gd name="T59" fmla="*/ 86 h 98"/>
+                <a:gd name="T60" fmla="*/ 32 w 141"/>
+                <a:gd name="T61" fmla="*/ 55 h 98"/>
+                <a:gd name="T62" fmla="*/ 17 w 141"/>
+                <a:gd name="T63" fmla="*/ 37 h 98"/>
+                <a:gd name="T64" fmla="*/ 34 w 141"/>
+                <a:gd name="T65" fmla="*/ 19 h 98"/>
+                <a:gd name="T66" fmla="*/ 52 w 141"/>
+                <a:gd name="T67" fmla="*/ 37 h 98"/>
+                <a:gd name="T68" fmla="*/ 37 w 141"/>
+                <a:gd name="T69" fmla="*/ 55 h 98"/>
+                <a:gd name="T70" fmla="*/ 65 w 141"/>
+                <a:gd name="T71" fmla="*/ 86 h 98"/>
+              </a:gdLst>
+              <a:ahLst/>
+              <a:cxnLst>
+                <a:cxn ang="0">
+                  <a:pos x="T0" y="T1"/>
+                </a:cxn>
+                <a:cxn ang="0">
+                  <a:pos x="T2" y="T3"/>
+                </a:cxn>
+                <a:cxn ang="0">
+                  <a:pos x="T4" y="T5"/>
+                </a:cxn>
+                <a:cxn ang="0">
+                  <a:pos x="T6" y="T7"/>
+                </a:cxn>
+                <a:cxn ang="0">
+                  <a:pos x="T8" y="T9"/>
+                </a:cxn>
+                <a:cxn ang="0">
+                  <a:pos x="T10" y="T11"/>
+                </a:cxn>
+                <a:cxn ang="0">
+                  <a:pos x="T12" y="T13"/>
+                </a:cxn>
+                <a:cxn ang="0">
+                  <a:pos x="T14" y="T15"/>
+                </a:cxn>
+                <a:cxn ang="0">
+                  <a:pos x="T16" y="T17"/>
+                </a:cxn>
+                <a:cxn ang="0">
+                  <a:pos x="T18" y="T19"/>
+                </a:cxn>
+                <a:cxn ang="0">
+                  <a:pos x="T20" y="T21"/>
+                </a:cxn>
+                <a:cxn ang="0">
+                  <a:pos x="T22" y="T23"/>
+                </a:cxn>
+                <a:cxn ang="0">
+                  <a:pos x="T24" y="T25"/>
+                </a:cxn>
+                <a:cxn ang="0">
+                  <a:pos x="T26" y="T27"/>
+                </a:cxn>
+                <a:cxn ang="0">
+                  <a:pos x="T28" y="T29"/>
+                </a:cxn>
+                <a:cxn ang="0">
+                  <a:pos x="T30" y="T31"/>
+                </a:cxn>
+                <a:cxn ang="0">
+                  <a:pos x="T32" y="T33"/>
+                </a:cxn>
+                <a:cxn ang="0">
+                  <a:pos x="T34" y="T35"/>
+                </a:cxn>
+                <a:cxn ang="0">
+                  <a:pos x="T36" y="T37"/>
+                </a:cxn>
+                <a:cxn ang="0">
+                  <a:pos x="T38" y="T39"/>
+                </a:cxn>
+                <a:cxn ang="0">
+                  <a:pos x="T40" y="T41"/>
+                </a:cxn>
+                <a:cxn ang="0">
+                  <a:pos x="T42" y="T43"/>
+                </a:cxn>
+                <a:cxn ang="0">
+                  <a:pos x="T44" y="T45"/>
+                </a:cxn>
+                <a:cxn ang="0">
+                  <a:pos x="T46" y="T47"/>
+                </a:cxn>
+                <a:cxn ang="0">
+                  <a:pos x="T48" y="T49"/>
+                </a:cxn>
+                <a:cxn ang="0">
+                  <a:pos x="T50" y="T51"/>
+                </a:cxn>
+                <a:cxn ang="0">
+                  <a:pos x="T52" y="T53"/>
+                </a:cxn>
+                <a:cxn ang="0">
+                  <a:pos x="T54" y="T55"/>
+                </a:cxn>
+                <a:cxn ang="0">
+                  <a:pos x="T56" y="T57"/>
+                </a:cxn>
+                <a:cxn ang="0">
+                  <a:pos x="T58" y="T59"/>
+                </a:cxn>
+                <a:cxn ang="0">
+                  <a:pos x="T60" y="T61"/>
+                </a:cxn>
+                <a:cxn ang="0">
+                  <a:pos x="T62" y="T63"/>
+                </a:cxn>
+                <a:cxn ang="0">
+                  <a:pos x="T64" y="T65"/>
+                </a:cxn>
+                <a:cxn ang="0">
+                  <a:pos x="T66" y="T67"/>
+                </a:cxn>
+                <a:cxn ang="0">
+                  <a:pos x="T68" y="T69"/>
+                </a:cxn>
+                <a:cxn ang="0">
+                  <a:pos x="T70" y="T71"/>
+                </a:cxn>
+              </a:cxnLst>
+              <a:rect l="0" t="0" r="r" b="b"/>
+              <a:pathLst>
+                <a:path w="141" h="98">
+                  <a:moveTo>
+                    <a:pt x="53" y="0"/>
+                  </a:moveTo>
+                  <a:cubicBezTo>
+                    <a:pt x="48" y="0"/>
+                    <a:pt x="48" y="0"/>
+                    <a:pt x="48" y="0"/>
+                  </a:cubicBezTo>
+                  <a:cubicBezTo>
+                    <a:pt x="0" y="0"/>
+                    <a:pt x="0" y="0"/>
+                    <a:pt x="0" y="0"/>
+                  </a:cubicBezTo>
+                  <a:cubicBezTo>
+                    <a:pt x="0" y="98"/>
+                    <a:pt x="0" y="98"/>
+                    <a:pt x="0" y="98"/>
+                  </a:cubicBezTo>
+                  <a:cubicBezTo>
+                    <a:pt x="141" y="98"/>
+                    <a:pt x="141" y="98"/>
+                    <a:pt x="141" y="98"/>
+                  </a:cubicBezTo>
+                  <a:cubicBezTo>
+                    <a:pt x="141" y="0"/>
+                    <a:pt x="141" y="0"/>
+                    <a:pt x="141" y="0"/>
+                  </a:cubicBezTo>
+                  <a:cubicBezTo>
+                    <a:pt x="103" y="0"/>
+                    <a:pt x="103" y="0"/>
+                    <a:pt x="103" y="0"/>
+                  </a:cubicBezTo>
+                  <a:cubicBezTo>
+                    <a:pt x="88" y="0"/>
+                    <a:pt x="88" y="0"/>
+                    <a:pt x="88" y="0"/>
+                  </a:cubicBezTo>
+                  <a:cubicBezTo>
+                    <a:pt x="88" y="11"/>
+                    <a:pt x="88" y="11"/>
+                    <a:pt x="88" y="11"/>
+                  </a:cubicBezTo>
+                  <a:cubicBezTo>
+                    <a:pt x="53" y="11"/>
+                    <a:pt x="53" y="11"/>
+                    <a:pt x="53" y="11"/>
+                  </a:cubicBezTo>
+                  <a:lnTo>
+                    <a:pt x="53" y="0"/>
+                  </a:lnTo>
+                  <a:close/>
+                  <a:moveTo>
+                    <a:pt x="80" y="27"/>
+                  </a:moveTo>
+                  <a:cubicBezTo>
+                    <a:pt x="130" y="27"/>
+                    <a:pt x="130" y="27"/>
+                    <a:pt x="130" y="27"/>
+                  </a:cubicBezTo>
+                  <a:cubicBezTo>
+                    <a:pt x="130" y="35"/>
+                    <a:pt x="130" y="35"/>
+                    <a:pt x="130" y="35"/>
+                  </a:cubicBezTo>
+                  <a:cubicBezTo>
+                    <a:pt x="80" y="35"/>
+                    <a:pt x="80" y="35"/>
+                    <a:pt x="80" y="35"/>
+                  </a:cubicBezTo>
+                  <a:lnTo>
+                    <a:pt x="80" y="27"/>
+                  </a:lnTo>
+                  <a:close/>
+                  <a:moveTo>
+                    <a:pt x="80" y="51"/>
+                  </a:moveTo>
+                  <a:cubicBezTo>
+                    <a:pt x="130" y="51"/>
+                    <a:pt x="130" y="51"/>
+                    <a:pt x="130" y="51"/>
+                  </a:cubicBezTo>
+                  <a:cubicBezTo>
+                    <a:pt x="130" y="59"/>
+                    <a:pt x="130" y="59"/>
+                    <a:pt x="130" y="59"/>
+                  </a:cubicBezTo>
+                  <a:cubicBezTo>
+                    <a:pt x="80" y="59"/>
+                    <a:pt x="80" y="59"/>
+                    <a:pt x="80" y="59"/>
+                  </a:cubicBezTo>
+                  <a:lnTo>
+                    <a:pt x="80" y="51"/>
+                  </a:lnTo>
+                  <a:close/>
+                  <a:moveTo>
+                    <a:pt x="80" y="75"/>
+                  </a:moveTo>
+                  <a:cubicBezTo>
+                    <a:pt x="130" y="75"/>
+                    <a:pt x="130" y="75"/>
+                    <a:pt x="130" y="75"/>
+                  </a:cubicBezTo>
+                  <a:cubicBezTo>
+                    <a:pt x="130" y="84"/>
+                    <a:pt x="130" y="84"/>
+                    <a:pt x="130" y="84"/>
+                  </a:cubicBezTo>
+                  <a:cubicBezTo>
+                    <a:pt x="80" y="84"/>
+                    <a:pt x="80" y="84"/>
+                    <a:pt x="80" y="84"/>
+                  </a:cubicBezTo>
+                  <a:lnTo>
+                    <a:pt x="80" y="75"/>
+                  </a:lnTo>
+                  <a:close/>
+                  <a:moveTo>
+                    <a:pt x="65" y="86"/>
+                  </a:moveTo>
+                  <a:cubicBezTo>
+                    <a:pt x="65" y="91"/>
+                    <a:pt x="65" y="91"/>
+                    <a:pt x="65" y="91"/>
+                  </a:cubicBezTo>
+                  <a:cubicBezTo>
+                    <a:pt x="4" y="91"/>
+                    <a:pt x="4" y="91"/>
+                    <a:pt x="4" y="91"/>
+                  </a:cubicBezTo>
+                  <a:cubicBezTo>
+                    <a:pt x="4" y="86"/>
+                    <a:pt x="4" y="86"/>
+                    <a:pt x="4" y="86"/>
+                  </a:cubicBezTo>
+                  <a:cubicBezTo>
+                    <a:pt x="4" y="70"/>
+                    <a:pt x="16" y="56"/>
+                    <a:pt x="32" y="55"/>
+                  </a:cubicBezTo>
+                  <a:cubicBezTo>
+                    <a:pt x="23" y="53"/>
+                    <a:pt x="17" y="46"/>
+                    <a:pt x="17" y="37"/>
+                  </a:cubicBezTo>
+                  <a:cubicBezTo>
+                    <a:pt x="17" y="27"/>
+                    <a:pt x="25" y="19"/>
+                    <a:pt x="34" y="19"/>
+                  </a:cubicBezTo>
+                  <a:cubicBezTo>
+                    <a:pt x="44" y="19"/>
+                    <a:pt x="52" y="27"/>
+                    <a:pt x="52" y="37"/>
+                  </a:cubicBezTo>
+                  <a:cubicBezTo>
+                    <a:pt x="52" y="46"/>
+                    <a:pt x="46" y="53"/>
+                    <a:pt x="37" y="55"/>
+                  </a:cubicBezTo>
+                  <a:cubicBezTo>
+                    <a:pt x="53" y="56"/>
+                    <a:pt x="65" y="70"/>
+                    <a:pt x="65" y="86"/>
+                  </a:cubicBezTo>
+                  <a:close/>
+                </a:path>
+              </a:pathLst>
+            </a:custGeom>
+            <a:grpFill/>
+            <a:ln>
+              <a:noFill/>
+            </a:ln>
+            <a:extLst>
+              <a:ext uri="{91240B29-F687-4F45-9708-019B960494DF}">
+                <a14:hiddenLine xmlns:a14="http://schemas.microsoft.com/office/drawing/2010/main" w="9525">
+                  <a:solidFill>
+                    <a:srgbClr val="000000"/>
+                  </a:solidFill>
+                  <a:round/>
+                  <a:headEnd/>
+                  <a:tailEnd/>
+                </a14:hiddenLine>
+              </a:ext>
+            </a:extLst>
+          </p:spPr>
+          <p:txBody>
+            <a:bodyPr vert="horz" wrap="square" lIns="91440" tIns="45720" rIns="91440" bIns="45720" numCol="1" anchor="t" anchorCtr="0" compatLnSpc="1">
+              <a:prstTxWarp prst="textNoShape">
+                <a:avLst/>
+              </a:prstTxWarp>
+            </a:bodyPr>
+            <a:lstStyle/>
+            <a:p>
+              <a:endParaRPr lang="zh-CN" altLang="en-US"/>
+            </a:p>
+          </p:txBody>
+        </p:sp>
+        <p:sp>
+          <p:nvSpPr>
+            <p:cNvPr id="28" name="Rectangle 171">
+              <a:extLst>
+                <a:ext uri="{FF2B5EF4-FFF2-40B4-BE49-F238E27FC236}">
+                  <a16:creationId xmlns:a16="http://schemas.microsoft.com/office/drawing/2014/main" id="{1314B808-BC71-4711-9F86-478BCB8AB6DD}"/>
+                </a:ext>
+              </a:extLst>
+            </p:cNvPr>
+            <p:cNvSpPr>
+              <a:spLocks noChangeArrowheads="1"/>
+            </p:cNvSpPr>
+            <p:nvPr/>
+          </p:nvSpPr>
+          <p:spPr bwMode="auto">
+            <a:xfrm>
+              <a:off x="733425" y="4327526"/>
+              <a:ext cx="53975" cy="42863"/>
+            </a:xfrm>
+            <a:prstGeom prst="rect">
+              <a:avLst/>
+            </a:prstGeom>
+            <a:grpFill/>
+            <a:ln>
+              <a:noFill/>
+            </a:ln>
+            <a:extLst>
+              <a:ext uri="{91240B29-F687-4F45-9708-019B960494DF}">
+                <a14:hiddenLine xmlns:a14="http://schemas.microsoft.com/office/drawing/2010/main" w="9525">
+                  <a:solidFill>
+                    <a:srgbClr val="000000"/>
+                  </a:solidFill>
+                  <a:miter lim="800000"/>
+                  <a:headEnd/>
+                  <a:tailEnd/>
+                </a14:hiddenLine>
+              </a:ext>
+            </a:extLst>
+          </p:spPr>
+          <p:txBody>
+            <a:bodyPr vert="horz" wrap="square" lIns="91440" tIns="45720" rIns="91440" bIns="45720" numCol="1" anchor="t" anchorCtr="0" compatLnSpc="1">
+              <a:prstTxWarp prst="textNoShape">
+                <a:avLst/>
+              </a:prstTxWarp>
+            </a:bodyPr>
+            <a:lstStyle/>
+            <a:p>
+              <a:endParaRPr lang="zh-CN" altLang="en-US"/>
+            </a:p>
+          </p:txBody>
+        </p:sp>
+        <p:sp>
+          <p:nvSpPr>
+            <p:cNvPr id="29" name="Freeform 172">
+              <a:extLst>
+                <a:ext uri="{FF2B5EF4-FFF2-40B4-BE49-F238E27FC236}">
+                  <a16:creationId xmlns:a16="http://schemas.microsoft.com/office/drawing/2014/main" id="{2E644430-C923-49A3-A164-5E7646D17BAE}"/>
+                </a:ext>
+              </a:extLst>
+            </p:cNvPr>
+            <p:cNvSpPr>
+              <a:spLocks/>
+            </p:cNvSpPr>
+            <p:nvPr/>
+          </p:nvSpPr>
+          <p:spPr bwMode="auto">
+            <a:xfrm>
+              <a:off x="488950" y="4327526"/>
+              <a:ext cx="547688" cy="409575"/>
+            </a:xfrm>
+            <a:custGeom>
+              <a:avLst/>
+              <a:gdLst>
+                <a:gd name="T0" fmla="*/ 203 w 345"/>
+                <a:gd name="T1" fmla="*/ 0 h 258"/>
+                <a:gd name="T2" fmla="*/ 203 w 345"/>
+                <a:gd name="T3" fmla="*/ 27 h 258"/>
+                <a:gd name="T4" fmla="*/ 230 w 345"/>
+                <a:gd name="T5" fmla="*/ 27 h 258"/>
+                <a:gd name="T6" fmla="*/ 312 w 345"/>
+                <a:gd name="T7" fmla="*/ 27 h 258"/>
+                <a:gd name="T8" fmla="*/ 312 w 345"/>
+                <a:gd name="T9" fmla="*/ 231 h 258"/>
+                <a:gd name="T10" fmla="*/ 31 w 345"/>
+                <a:gd name="T11" fmla="*/ 231 h 258"/>
+                <a:gd name="T12" fmla="*/ 31 w 345"/>
+                <a:gd name="T13" fmla="*/ 27 h 258"/>
+                <a:gd name="T14" fmla="*/ 131 w 345"/>
+                <a:gd name="T15" fmla="*/ 27 h 258"/>
+                <a:gd name="T16" fmla="*/ 140 w 345"/>
+                <a:gd name="T17" fmla="*/ 27 h 258"/>
+                <a:gd name="T18" fmla="*/ 140 w 345"/>
+                <a:gd name="T19" fmla="*/ 0 h 258"/>
+                <a:gd name="T20" fmla="*/ 0 w 345"/>
+                <a:gd name="T21" fmla="*/ 0 h 258"/>
+                <a:gd name="T22" fmla="*/ 0 w 345"/>
+                <a:gd name="T23" fmla="*/ 258 h 258"/>
+                <a:gd name="T24" fmla="*/ 345 w 345"/>
+                <a:gd name="T25" fmla="*/ 258 h 258"/>
+                <a:gd name="T26" fmla="*/ 345 w 345"/>
+                <a:gd name="T27" fmla="*/ 0 h 258"/>
+                <a:gd name="T28" fmla="*/ 203 w 345"/>
+                <a:gd name="T29" fmla="*/ 0 h 258"/>
+              </a:gdLst>
+              <a:ahLst/>
+              <a:cxnLst>
+                <a:cxn ang="0">
+                  <a:pos x="T0" y="T1"/>
+                </a:cxn>
+                <a:cxn ang="0">
+                  <a:pos x="T2" y="T3"/>
+                </a:cxn>
+                <a:cxn ang="0">
+                  <a:pos x="T4" y="T5"/>
+                </a:cxn>
+                <a:cxn ang="0">
+                  <a:pos x="T6" y="T7"/>
+                </a:cxn>
+                <a:cxn ang="0">
+                  <a:pos x="T8" y="T9"/>
+                </a:cxn>
+                <a:cxn ang="0">
+                  <a:pos x="T10" y="T11"/>
+                </a:cxn>
+                <a:cxn ang="0">
+                  <a:pos x="T12" y="T13"/>
+                </a:cxn>
+                <a:cxn ang="0">
+                  <a:pos x="T14" y="T15"/>
+                </a:cxn>
+                <a:cxn ang="0">
+                  <a:pos x="T16" y="T17"/>
+                </a:cxn>
+                <a:cxn ang="0">
+                  <a:pos x="T18" y="T19"/>
+                </a:cxn>
+                <a:cxn ang="0">
+                  <a:pos x="T20" y="T21"/>
+                </a:cxn>
+                <a:cxn ang="0">
+                  <a:pos x="T22" y="T23"/>
+                </a:cxn>
+                <a:cxn ang="0">
+                  <a:pos x="T24" y="T25"/>
+                </a:cxn>
+                <a:cxn ang="0">
+                  <a:pos x="T26" y="T27"/>
+                </a:cxn>
+                <a:cxn ang="0">
+                  <a:pos x="T28" y="T29"/>
+                </a:cxn>
+              </a:cxnLst>
+              <a:rect l="0" t="0" r="r" b="b"/>
+              <a:pathLst>
+                <a:path w="345" h="258">
+                  <a:moveTo>
+                    <a:pt x="203" y="0"/>
+                  </a:moveTo>
+                  <a:lnTo>
+                    <a:pt x="203" y="27"/>
+                  </a:lnTo>
+                  <a:lnTo>
+                    <a:pt x="230" y="27"/>
+                  </a:lnTo>
+                  <a:lnTo>
+                    <a:pt x="312" y="27"/>
+                  </a:lnTo>
+                  <a:lnTo>
+                    <a:pt x="312" y="231"/>
+                  </a:lnTo>
+                  <a:lnTo>
+                    <a:pt x="31" y="231"/>
+                  </a:lnTo>
+                  <a:lnTo>
+                    <a:pt x="31" y="27"/>
+                  </a:lnTo>
+                  <a:lnTo>
+                    <a:pt x="131" y="27"/>
+                  </a:lnTo>
+                  <a:lnTo>
+                    <a:pt x="140" y="27"/>
+                  </a:lnTo>
+                  <a:lnTo>
+                    <a:pt x="140" y="0"/>
+                  </a:lnTo>
+                  <a:lnTo>
+                    <a:pt x="0" y="0"/>
+                  </a:lnTo>
+                  <a:lnTo>
+                    <a:pt x="0" y="258"/>
+                  </a:lnTo>
+                  <a:lnTo>
+                    <a:pt x="345" y="258"/>
+                  </a:lnTo>
+                  <a:lnTo>
+                    <a:pt x="345" y="0"/>
+                  </a:lnTo>
+                  <a:lnTo>
+                    <a:pt x="203" y="0"/>
+                  </a:lnTo>
+                  <a:close/>
+                </a:path>
+              </a:pathLst>
+            </a:custGeom>
+            <a:grpFill/>
+            <a:ln>
+              <a:noFill/>
+            </a:ln>
+            <a:extLst>
+              <a:ext uri="{91240B29-F687-4F45-9708-019B960494DF}">
+                <a14:hiddenLine xmlns:a14="http://schemas.microsoft.com/office/drawing/2010/main" w="9525">
+                  <a:solidFill>
+                    <a:srgbClr val="000000"/>
+                  </a:solidFill>
+                  <a:round/>
+                  <a:headEnd/>
+                  <a:tailEnd/>
+                </a14:hiddenLine>
+              </a:ext>
+            </a:extLst>
+          </p:spPr>
+          <p:txBody>
+            <a:bodyPr vert="horz" wrap="square" lIns="91440" tIns="45720" rIns="91440" bIns="45720" numCol="1" anchor="t" anchorCtr="0" compatLnSpc="1">
+              <a:prstTxWarp prst="textNoShape">
+                <a:avLst/>
+              </a:prstTxWarp>
+            </a:bodyPr>
+            <a:lstStyle/>
+            <a:p>
+              <a:endParaRPr lang="zh-CN" altLang="en-US"/>
+            </a:p>
+          </p:txBody>
+        </p:sp>
+        <p:sp>
+          <p:nvSpPr>
+            <p:cNvPr id="30" name="Oval 173">
+              <a:extLst>
+                <a:ext uri="{FF2B5EF4-FFF2-40B4-BE49-F238E27FC236}">
+                  <a16:creationId xmlns:a16="http://schemas.microsoft.com/office/drawing/2014/main" id="{6B4ABF88-7141-4B21-9141-FBBCCB939E82}"/>
+                </a:ext>
+              </a:extLst>
+            </p:cNvPr>
+            <p:cNvSpPr>
+              <a:spLocks noChangeArrowheads="1"/>
+            </p:cNvSpPr>
+            <p:nvPr/>
+          </p:nvSpPr>
+          <p:spPr bwMode="auto">
+            <a:xfrm>
+              <a:off x="631825" y="4471988"/>
+              <a:ext cx="53975" cy="53975"/>
+            </a:xfrm>
+            <a:prstGeom prst="ellipse">
+              <a:avLst/>
+            </a:prstGeom>
+            <a:grpFill/>
+            <a:ln>
+              <a:noFill/>
+            </a:ln>
+            <a:extLst>
+              <a:ext uri="{91240B29-F687-4F45-9708-019B960494DF}">
+                <a14:hiddenLine xmlns:a14="http://schemas.microsoft.com/office/drawing/2010/main" w="9525">
+                  <a:solidFill>
+                    <a:srgbClr val="000000"/>
+                  </a:solidFill>
+                  <a:round/>
+                  <a:headEnd/>
+                  <a:tailEnd/>
+                </a14:hiddenLine>
+              </a:ext>
+            </a:extLst>
+          </p:spPr>
+          <p:txBody>
+            <a:bodyPr vert="horz" wrap="square" lIns="91440" tIns="45720" rIns="91440" bIns="45720" numCol="1" anchor="t" anchorCtr="0" compatLnSpc="1">
+              <a:prstTxWarp prst="textNoShape">
+                <a:avLst/>
+              </a:prstTxWarp>
+            </a:bodyPr>
+            <a:lstStyle/>
+            <a:p>
+              <a:endParaRPr lang="zh-CN" altLang="en-US"/>
+            </a:p>
+          </p:txBody>
+        </p:sp>
+        <p:sp>
+          <p:nvSpPr>
+            <p:cNvPr id="31" name="Freeform 174">
+              <a:extLst>
+                <a:ext uri="{FF2B5EF4-FFF2-40B4-BE49-F238E27FC236}">
+                  <a16:creationId xmlns:a16="http://schemas.microsoft.com/office/drawing/2014/main" id="{73D153EA-B892-4D3D-B856-417C947CBF23}"/>
+                </a:ext>
+              </a:extLst>
+            </p:cNvPr>
+            <p:cNvSpPr>
+              <a:spLocks/>
+            </p:cNvSpPr>
+            <p:nvPr/>
+          </p:nvSpPr>
+          <p:spPr bwMode="auto">
+            <a:xfrm>
+              <a:off x="593725" y="4572001"/>
+              <a:ext cx="128588" cy="53975"/>
+            </a:xfrm>
+            <a:custGeom>
+              <a:avLst/>
+              <a:gdLst>
+                <a:gd name="T0" fmla="*/ 0 w 45"/>
+                <a:gd name="T1" fmla="*/ 19 h 19"/>
+                <a:gd name="T2" fmla="*/ 45 w 45"/>
+                <a:gd name="T3" fmla="*/ 19 h 19"/>
+                <a:gd name="T4" fmla="*/ 22 w 45"/>
+                <a:gd name="T5" fmla="*/ 0 h 19"/>
+                <a:gd name="T6" fmla="*/ 0 w 45"/>
+                <a:gd name="T7" fmla="*/ 19 h 19"/>
+              </a:gdLst>
+              <a:ahLst/>
+              <a:cxnLst>
+                <a:cxn ang="0">
+                  <a:pos x="T0" y="T1"/>
+                </a:cxn>
+                <a:cxn ang="0">
+                  <a:pos x="T2" y="T3"/>
+                </a:cxn>
+                <a:cxn ang="0">
+                  <a:pos x="T4" y="T5"/>
+                </a:cxn>
+                <a:cxn ang="0">
+                  <a:pos x="T6" y="T7"/>
+                </a:cxn>
+              </a:cxnLst>
+              <a:rect l="0" t="0" r="r" b="b"/>
+              <a:pathLst>
+                <a:path w="45" h="19">
+                  <a:moveTo>
+                    <a:pt x="0" y="19"/>
+                  </a:moveTo>
+                  <a:cubicBezTo>
+                    <a:pt x="45" y="19"/>
+                    <a:pt x="45" y="19"/>
+                    <a:pt x="45" y="19"/>
+                  </a:cubicBezTo>
+                  <a:cubicBezTo>
+                    <a:pt x="43" y="8"/>
+                    <a:pt x="34" y="0"/>
+                    <a:pt x="22" y="0"/>
+                  </a:cubicBezTo>
+                  <a:cubicBezTo>
+                    <a:pt x="11" y="0"/>
+                    <a:pt x="2" y="8"/>
+                    <a:pt x="0" y="19"/>
+                  </a:cubicBezTo>
+                  <a:close/>
+                </a:path>
+              </a:pathLst>
+            </a:custGeom>
+            <a:grpFill/>
+            <a:ln>
+              <a:noFill/>
+            </a:ln>
+            <a:extLst>
+              <a:ext uri="{91240B29-F687-4F45-9708-019B960494DF}">
+                <a14:hiddenLine xmlns:a14="http://schemas.microsoft.com/office/drawing/2010/main" w="9525">
+                  <a:solidFill>
+                    <a:srgbClr val="000000"/>
+                  </a:solidFill>
+                  <a:round/>
+                  <a:headEnd/>
+                  <a:tailEnd/>
+                </a14:hiddenLine>
+              </a:ext>
+            </a:extLst>
+          </p:spPr>
+          <p:txBody>
+            <a:bodyPr vert="horz" wrap="square" lIns="91440" tIns="45720" rIns="91440" bIns="45720" numCol="1" anchor="t" anchorCtr="0" compatLnSpc="1">
+              <a:prstTxWarp prst="textNoShape">
+                <a:avLst/>
+              </a:prstTxWarp>
+            </a:bodyPr>
+            <a:lstStyle/>
+            <a:p>
+              <a:endParaRPr lang="zh-CN" altLang="en-US"/>
+            </a:p>
+          </p:txBody>
+        </p:sp>
+        <p:sp>
+          <p:nvSpPr>
+            <p:cNvPr id="32" name="Freeform 175">
+              <a:extLst>
+                <a:ext uri="{FF2B5EF4-FFF2-40B4-BE49-F238E27FC236}">
+                  <a16:creationId xmlns:a16="http://schemas.microsoft.com/office/drawing/2014/main" id="{6B2639D7-412D-4876-9BDA-50CC9D4015A3}"/>
+                </a:ext>
+              </a:extLst>
+            </p:cNvPr>
+            <p:cNvSpPr>
+              <a:spLocks/>
+            </p:cNvSpPr>
+            <p:nvPr/>
+          </p:nvSpPr>
+          <p:spPr bwMode="auto">
+            <a:xfrm>
+              <a:off x="711200" y="4256088"/>
+              <a:ext cx="100013" cy="71438"/>
+            </a:xfrm>
+            <a:custGeom>
+              <a:avLst/>
+              <a:gdLst>
+                <a:gd name="T0" fmla="*/ 14 w 63"/>
+                <a:gd name="T1" fmla="*/ 14 h 45"/>
+                <a:gd name="T2" fmla="*/ 48 w 63"/>
+                <a:gd name="T3" fmla="*/ 14 h 45"/>
+                <a:gd name="T4" fmla="*/ 48 w 63"/>
+                <a:gd name="T5" fmla="*/ 45 h 45"/>
+                <a:gd name="T6" fmla="*/ 63 w 63"/>
+                <a:gd name="T7" fmla="*/ 45 h 45"/>
+                <a:gd name="T8" fmla="*/ 63 w 63"/>
+                <a:gd name="T9" fmla="*/ 0 h 45"/>
+                <a:gd name="T10" fmla="*/ 0 w 63"/>
+                <a:gd name="T11" fmla="*/ 0 h 45"/>
+                <a:gd name="T12" fmla="*/ 0 w 63"/>
+                <a:gd name="T13" fmla="*/ 45 h 45"/>
+                <a:gd name="T14" fmla="*/ 14 w 63"/>
+                <a:gd name="T15" fmla="*/ 45 h 45"/>
+                <a:gd name="T16" fmla="*/ 14 w 63"/>
+                <a:gd name="T17" fmla="*/ 14 h 45"/>
+              </a:gdLst>
+              <a:ahLst/>
+              <a:cxnLst>
+                <a:cxn ang="0">
+                  <a:pos x="T0" y="T1"/>
+                </a:cxn>
+                <a:cxn ang="0">
+                  <a:pos x="T2" y="T3"/>
+                </a:cxn>
+                <a:cxn ang="0">
+                  <a:pos x="T4" y="T5"/>
+                </a:cxn>
+                <a:cxn ang="0">
+                  <a:pos x="T6" y="T7"/>
+                </a:cxn>
+                <a:cxn ang="0">
+                  <a:pos x="T8" y="T9"/>
+                </a:cxn>
+                <a:cxn ang="0">
+                  <a:pos x="T10" y="T11"/>
+                </a:cxn>
+                <a:cxn ang="0">
+                  <a:pos x="T12" y="T13"/>
+                </a:cxn>
+                <a:cxn ang="0">
+                  <a:pos x="T14" y="T15"/>
+                </a:cxn>
+                <a:cxn ang="0">
+                  <a:pos x="T16" y="T17"/>
+                </a:cxn>
+              </a:cxnLst>
+              <a:rect l="0" t="0" r="r" b="b"/>
+              <a:pathLst>
+                <a:path w="63" h="45">
+                  <a:moveTo>
+                    <a:pt x="14" y="14"/>
+                  </a:moveTo>
+                  <a:lnTo>
+                    <a:pt x="48" y="14"/>
+                  </a:lnTo>
+                  <a:lnTo>
+                    <a:pt x="48" y="45"/>
+                  </a:lnTo>
+                  <a:lnTo>
+                    <a:pt x="63" y="45"/>
+                  </a:lnTo>
+                  <a:lnTo>
+                    <a:pt x="63" y="0"/>
+                  </a:lnTo>
+                  <a:lnTo>
+                    <a:pt x="0" y="0"/>
+                  </a:lnTo>
+                  <a:lnTo>
+                    <a:pt x="0" y="45"/>
+                  </a:lnTo>
+                  <a:lnTo>
+                    <a:pt x="14" y="45"/>
+                  </a:lnTo>
+                  <a:lnTo>
+                    <a:pt x="14" y="14"/>
+                  </a:lnTo>
+                  <a:close/>
+                </a:path>
+              </a:pathLst>
+            </a:custGeom>
+            <a:grpFill/>
+            <a:ln>
+              <a:noFill/>
+            </a:ln>
+            <a:extLst>
+              <a:ext uri="{91240B29-F687-4F45-9708-019B960494DF}">
+                <a14:hiddenLine xmlns:a14="http://schemas.microsoft.com/office/drawing/2010/main" w="9525">
+                  <a:solidFill>
+                    <a:srgbClr val="000000"/>
+                  </a:solidFill>
+                  <a:round/>
+                  <a:headEnd/>
+                  <a:tailEnd/>
+                </a14:hiddenLine>
+              </a:ext>
+            </a:extLst>
+          </p:spPr>
+          <p:txBody>
+            <a:bodyPr vert="horz" wrap="square" lIns="91440" tIns="45720" rIns="91440" bIns="45720" numCol="1" anchor="t" anchorCtr="0" compatLnSpc="1">
+              <a:prstTxWarp prst="textNoShape">
+                <a:avLst/>
+              </a:prstTxWarp>
+            </a:bodyPr>
+            <a:lstStyle/>
+            <a:p>
+              <a:endParaRPr lang="zh-CN" altLang="en-US"/>
+            </a:p>
+          </p:txBody>
+        </p:sp>
+      </p:grpSp>
+      <p:pic>
+        <p:nvPicPr>
+          <p:cNvPr id="2" name="图片 1">
+            <a:extLst>
+              <a:ext uri="{FF2B5EF4-FFF2-40B4-BE49-F238E27FC236}">
+                <a16:creationId xmlns:a16="http://schemas.microsoft.com/office/drawing/2014/main" id="{A7DBA87E-A324-4B5C-9769-6CEAC9588C0C}"/>
+              </a:ext>
+            </a:extLst>
+          </p:cNvPr>
+          <p:cNvPicPr>
+            <a:picLocks noChangeAspect="1"/>
+          </p:cNvPicPr>
+          <p:nvPr/>
+        </p:nvPicPr>
+        <p:blipFill>
+          <a:blip r:embed="rId2"/>
+          <a:stretch>
+            <a:fillRect/>
+          </a:stretch>
+        </p:blipFill>
+        <p:spPr>
+          <a:xfrm>
+            <a:off x="8939995" y="1291712"/>
+            <a:ext cx="1105443" cy="1475208"/>
+          </a:xfrm>
+          <a:prstGeom prst="rect">
+            <a:avLst/>
+          </a:prstGeom>
+        </p:spPr>
+      </p:pic>
+      <p:grpSp>
+        <p:nvGrpSpPr>
+          <p:cNvPr id="3" name="组合 2">
+            <a:extLst>
+              <a:ext uri="{FF2B5EF4-FFF2-40B4-BE49-F238E27FC236}">
+                <a16:creationId xmlns:a16="http://schemas.microsoft.com/office/drawing/2014/main" id="{3FDAB0CB-784F-4132-B267-8B16E0A9DC77}"/>
+              </a:ext>
+            </a:extLst>
+          </p:cNvPr>
+          <p:cNvGrpSpPr/>
+          <p:nvPr/>
+        </p:nvGrpSpPr>
+        <p:grpSpPr>
+          <a:xfrm>
+            <a:off x="8810747" y="801643"/>
+            <a:ext cx="3423952" cy="292388"/>
+            <a:chOff x="1935499" y="1059373"/>
+            <a:chExt cx="3423952" cy="292388"/>
+          </a:xfrm>
+        </p:grpSpPr>
+        <p:cxnSp>
+          <p:nvCxnSpPr>
+            <p:cNvPr id="8" name="直接连接符 7">
+              <a:extLst>
+                <a:ext uri="{FF2B5EF4-FFF2-40B4-BE49-F238E27FC236}">
+                  <a16:creationId xmlns:a16="http://schemas.microsoft.com/office/drawing/2014/main" id="{8B7F1557-3D53-4FF9-AD19-A068A6962625}"/>
+                </a:ext>
+              </a:extLst>
+            </p:cNvPr>
+            <p:cNvCxnSpPr>
+              <a:cxnSpLocks/>
+            </p:cNvCxnSpPr>
+            <p:nvPr/>
+          </p:nvCxnSpPr>
+          <p:spPr>
+            <a:xfrm>
+              <a:off x="1998107" y="1351761"/>
+              <a:ext cx="3361344" cy="0"/>
+            </a:xfrm>
+            <a:prstGeom prst="line">
+              <a:avLst/>
+            </a:prstGeom>
+            <a:ln>
+              <a:solidFill>
+                <a:schemeClr val="bg1">
+                  <a:alpha val="40000"/>
+                </a:schemeClr>
+              </a:solidFill>
+            </a:ln>
+          </p:spPr>
+          <p:style>
+            <a:lnRef idx="1">
+              <a:schemeClr val="accent1"/>
+            </a:lnRef>
+            <a:fillRef idx="0">
+              <a:schemeClr val="accent1"/>
+            </a:fillRef>
+            <a:effectRef idx="0">
+              <a:schemeClr val="accent1"/>
+            </a:effectRef>
+            <a:fontRef idx="minor">
+              <a:schemeClr val="tx1"/>
+            </a:fontRef>
+          </p:style>
+        </p:cxnSp>
+        <p:sp>
+          <p:nvSpPr>
+            <p:cNvPr id="9" name="文本框 8">
+              <a:extLst>
+                <a:ext uri="{FF2B5EF4-FFF2-40B4-BE49-F238E27FC236}">
+                  <a16:creationId xmlns:a16="http://schemas.microsoft.com/office/drawing/2014/main" id="{39B31166-05B7-4609-9D7C-B5BFC6BF23E4}"/>
+                </a:ext>
+              </a:extLst>
+            </p:cNvPr>
+            <p:cNvSpPr txBox="1"/>
+            <p:nvPr/>
+          </p:nvSpPr>
+          <p:spPr>
+            <a:xfrm>
+              <a:off x="2109524" y="1059373"/>
+              <a:ext cx="800219" cy="276999"/>
+            </a:xfrm>
+            <a:prstGeom prst="rect">
+              <a:avLst/>
+            </a:prstGeom>
+            <a:noFill/>
+          </p:spPr>
+          <p:txBody>
+            <a:bodyPr wrap="none" rtlCol="0">
+              <a:spAutoFit/>
+            </a:bodyPr>
+            <a:lstStyle/>
+            <a:p>
+              <a:r>
+                <a:rPr lang="zh-CN" altLang="en-US" sz="1200" b="1" dirty="0">
+                  <a:solidFill>
+                    <a:schemeClr val="bg1">
+                      <a:lumMod val="85000"/>
+                    </a:schemeClr>
+                  </a:solidFill>
+                  <a:latin typeface="微软雅黑" panose="020B0503020204020204" pitchFamily="34" charset="-122"/>
+                  <a:ea typeface="微软雅黑" panose="020B0503020204020204" pitchFamily="34" charset="-122"/>
+                </a:rPr>
+                <a:t>角色详情</a:t>
+              </a:r>
+            </a:p>
+          </p:txBody>
+        </p:sp>
+        <p:cxnSp>
+          <p:nvCxnSpPr>
+            <p:cNvPr id="10" name="直接连接符 9">
+              <a:extLst>
+                <a:ext uri="{FF2B5EF4-FFF2-40B4-BE49-F238E27FC236}">
+                  <a16:creationId xmlns:a16="http://schemas.microsoft.com/office/drawing/2014/main" id="{5FF7D312-06E7-4D81-BAD2-4D8F35E0DAE1}"/>
+                </a:ext>
+              </a:extLst>
+            </p:cNvPr>
+            <p:cNvCxnSpPr>
+              <a:cxnSpLocks/>
+            </p:cNvCxnSpPr>
+            <p:nvPr/>
+          </p:nvCxnSpPr>
+          <p:spPr>
+            <a:xfrm>
+              <a:off x="1935499" y="1351761"/>
+              <a:ext cx="62608" cy="0"/>
+            </a:xfrm>
+            <a:prstGeom prst="line">
+              <a:avLst/>
+            </a:prstGeom>
+            <a:ln w="22225">
+              <a:solidFill>
+                <a:schemeClr val="bg1">
+                  <a:alpha val="40000"/>
+                </a:schemeClr>
+              </a:solidFill>
+            </a:ln>
+          </p:spPr>
+          <p:style>
+            <a:lnRef idx="1">
+              <a:schemeClr val="accent1"/>
+            </a:lnRef>
+            <a:fillRef idx="0">
+              <a:schemeClr val="accent1"/>
+            </a:fillRef>
+            <a:effectRef idx="0">
+              <a:schemeClr val="accent1"/>
+            </a:effectRef>
+            <a:fontRef idx="minor">
+              <a:schemeClr val="tx1"/>
+            </a:fontRef>
+          </p:style>
+        </p:cxnSp>
+      </p:grpSp>
+      <p:sp>
+        <p:nvSpPr>
+          <p:cNvPr id="12" name="文本框 11">
+            <a:extLst>
+              <a:ext uri="{FF2B5EF4-FFF2-40B4-BE49-F238E27FC236}">
+                <a16:creationId xmlns:a16="http://schemas.microsoft.com/office/drawing/2014/main" id="{41B76841-0D1B-4412-A228-0E3BC5A60221}"/>
+              </a:ext>
+            </a:extLst>
+          </p:cNvPr>
+          <p:cNvSpPr txBox="1"/>
+          <p:nvPr/>
+        </p:nvSpPr>
+        <p:spPr>
+          <a:xfrm>
+            <a:off x="10112881" y="1250128"/>
+            <a:ext cx="1933575" cy="307777"/>
+          </a:xfrm>
+          <a:prstGeom prst="rect">
+            <a:avLst/>
+          </a:prstGeom>
+          <a:noFill/>
+        </p:spPr>
+        <p:txBody>
+          <a:bodyPr wrap="square" rtlCol="0">
+            <a:spAutoFit/>
+          </a:bodyPr>
+          <a:lstStyle/>
+          <a:p>
+            <a:r>
+              <a:rPr lang="zh-CN" altLang="en-US" sz="1400" b="1" dirty="0">
+                <a:solidFill>
+                  <a:schemeClr val="bg1"/>
+                </a:solidFill>
+              </a:rPr>
+              <a:t>腓特烈</a:t>
+            </a:r>
+            <a:r>
+              <a:rPr lang="en-US" altLang="zh-CN" sz="1400" b="1" dirty="0">
+                <a:solidFill>
+                  <a:schemeClr val="bg1"/>
+                </a:solidFill>
+              </a:rPr>
+              <a:t> · </a:t>
+            </a:r>
+            <a:r>
+              <a:rPr lang="zh-CN" altLang="en-US" sz="1400" b="1" dirty="0">
+                <a:solidFill>
+                  <a:schemeClr val="bg1"/>
+                </a:solidFill>
+              </a:rPr>
+              <a:t>布朗</a:t>
+            </a:r>
+          </a:p>
+        </p:txBody>
+      </p:sp>
+      <p:sp>
+        <p:nvSpPr>
+          <p:cNvPr id="13" name="文本框 12">
+            <a:extLst>
+              <a:ext uri="{FF2B5EF4-FFF2-40B4-BE49-F238E27FC236}">
+                <a16:creationId xmlns:a16="http://schemas.microsoft.com/office/drawing/2014/main" id="{87B6E97E-40B0-4E15-9323-E3C4A0A98693}"/>
+              </a:ext>
+            </a:extLst>
+          </p:cNvPr>
+          <p:cNvSpPr txBox="1"/>
+          <p:nvPr/>
+        </p:nvSpPr>
+        <p:spPr>
+          <a:xfrm>
+            <a:off x="10112881" y="1623641"/>
+            <a:ext cx="441146" cy="246221"/>
+          </a:xfrm>
+          <a:prstGeom prst="rect">
+            <a:avLst/>
+          </a:prstGeom>
+          <a:noFill/>
+        </p:spPr>
+        <p:txBody>
+          <a:bodyPr wrap="none" rtlCol="0">
+            <a:spAutoFit/>
+          </a:bodyPr>
+          <a:lstStyle/>
+          <a:p>
+            <a:r>
+              <a:rPr lang="zh-CN" altLang="en-US" sz="1000" b="1" dirty="0">
+                <a:solidFill>
+                  <a:schemeClr val="bg1"/>
+                </a:solidFill>
+              </a:rPr>
+              <a:t>种族</a:t>
+            </a:r>
+          </a:p>
+        </p:txBody>
+      </p:sp>
+      <p:sp>
+        <p:nvSpPr>
+          <p:cNvPr id="14" name="文本框 13">
+            <a:extLst>
+              <a:ext uri="{FF2B5EF4-FFF2-40B4-BE49-F238E27FC236}">
+                <a16:creationId xmlns:a16="http://schemas.microsoft.com/office/drawing/2014/main" id="{D763C77B-E4B8-4F9E-9275-DE2AFEFD2367}"/>
+              </a:ext>
+            </a:extLst>
+          </p:cNvPr>
+          <p:cNvSpPr txBox="1"/>
+          <p:nvPr/>
+        </p:nvSpPr>
+        <p:spPr>
+          <a:xfrm>
+            <a:off x="11408059" y="1623641"/>
+            <a:ext cx="569387" cy="246221"/>
+          </a:xfrm>
+          <a:prstGeom prst="rect">
+            <a:avLst/>
+          </a:prstGeom>
+          <a:noFill/>
+        </p:spPr>
+        <p:txBody>
+          <a:bodyPr wrap="none" rtlCol="0">
+            <a:spAutoFit/>
+          </a:bodyPr>
+          <a:lstStyle/>
+          <a:p>
+            <a:r>
+              <a:rPr lang="zh-CN" altLang="en-US" sz="1000" dirty="0">
+                <a:solidFill>
+                  <a:srgbClr val="00B0F0"/>
+                </a:solidFill>
+              </a:rPr>
+              <a:t>亚种人</a:t>
+            </a:r>
+          </a:p>
+        </p:txBody>
+      </p:sp>
+      <p:sp>
+        <p:nvSpPr>
+          <p:cNvPr id="15" name="文本框 14">
+            <a:extLst>
+              <a:ext uri="{FF2B5EF4-FFF2-40B4-BE49-F238E27FC236}">
+                <a16:creationId xmlns:a16="http://schemas.microsoft.com/office/drawing/2014/main" id="{A323FE31-073C-46A8-8E44-D72FA39C6366}"/>
+              </a:ext>
+            </a:extLst>
+          </p:cNvPr>
+          <p:cNvSpPr txBox="1"/>
+          <p:nvPr/>
+        </p:nvSpPr>
+        <p:spPr>
+          <a:xfrm>
+            <a:off x="10112881" y="1815865"/>
+            <a:ext cx="697627" cy="246221"/>
+          </a:xfrm>
+          <a:prstGeom prst="rect">
+            <a:avLst/>
+          </a:prstGeom>
+          <a:noFill/>
+        </p:spPr>
+        <p:txBody>
+          <a:bodyPr wrap="none" rtlCol="0">
+            <a:spAutoFit/>
+          </a:bodyPr>
+          <a:lstStyle/>
+          <a:p>
+            <a:r>
+              <a:rPr lang="zh-CN" altLang="en-US" sz="1000" b="1" dirty="0">
+                <a:solidFill>
+                  <a:schemeClr val="bg1"/>
+                </a:solidFill>
+              </a:rPr>
+              <a:t>生理年龄</a:t>
+            </a:r>
+          </a:p>
+        </p:txBody>
+      </p:sp>
+      <p:sp>
+        <p:nvSpPr>
+          <p:cNvPr id="16" name="文本框 15">
+            <a:extLst>
+              <a:ext uri="{FF2B5EF4-FFF2-40B4-BE49-F238E27FC236}">
+                <a16:creationId xmlns:a16="http://schemas.microsoft.com/office/drawing/2014/main" id="{6C9F13CC-D302-451F-8F7C-2EF94080AF55}"/>
+              </a:ext>
+            </a:extLst>
+          </p:cNvPr>
+          <p:cNvSpPr txBox="1"/>
+          <p:nvPr/>
+        </p:nvSpPr>
+        <p:spPr>
+          <a:xfrm>
+            <a:off x="11414340" y="1815864"/>
+            <a:ext cx="386644" cy="246221"/>
+          </a:xfrm>
+          <a:prstGeom prst="rect">
+            <a:avLst/>
+          </a:prstGeom>
+          <a:noFill/>
+        </p:spPr>
+        <p:txBody>
+          <a:bodyPr wrap="none" rtlCol="0">
+            <a:spAutoFit/>
+          </a:bodyPr>
+          <a:lstStyle/>
+          <a:p>
+            <a:r>
+              <a:rPr lang="en-US" altLang="zh-CN" sz="1000" dirty="0">
+                <a:solidFill>
+                  <a:srgbClr val="00B0F0"/>
+                </a:solidFill>
+              </a:rPr>
+              <a:t>130</a:t>
+            </a:r>
+            <a:endParaRPr lang="zh-CN" altLang="en-US" sz="1000" dirty="0">
+              <a:solidFill>
+                <a:srgbClr val="00B0F0"/>
+              </a:solidFill>
+            </a:endParaRPr>
+          </a:p>
+        </p:txBody>
+      </p:sp>
+      <p:sp>
+        <p:nvSpPr>
+          <p:cNvPr id="17" name="文本框 16">
+            <a:extLst>
+              <a:ext uri="{FF2B5EF4-FFF2-40B4-BE49-F238E27FC236}">
+                <a16:creationId xmlns:a16="http://schemas.microsoft.com/office/drawing/2014/main" id="{F4B49BC6-D415-4985-9540-17F38EDA0AE5}"/>
+              </a:ext>
+            </a:extLst>
+          </p:cNvPr>
+          <p:cNvSpPr txBox="1"/>
+          <p:nvPr/>
+        </p:nvSpPr>
+        <p:spPr>
+          <a:xfrm>
+            <a:off x="10112881" y="2012071"/>
+            <a:ext cx="441146" cy="246221"/>
+          </a:xfrm>
+          <a:prstGeom prst="rect">
+            <a:avLst/>
+          </a:prstGeom>
+          <a:noFill/>
+        </p:spPr>
+        <p:txBody>
+          <a:bodyPr wrap="none" rtlCol="0">
+            <a:spAutoFit/>
+          </a:bodyPr>
+          <a:lstStyle/>
+          <a:p>
+            <a:r>
+              <a:rPr lang="zh-CN" altLang="en-US" sz="1000" b="1" dirty="0">
+                <a:solidFill>
+                  <a:schemeClr val="bg1"/>
+                </a:solidFill>
+              </a:rPr>
+              <a:t>性别</a:t>
+            </a:r>
+          </a:p>
+        </p:txBody>
+      </p:sp>
+      <p:sp>
+        <p:nvSpPr>
+          <p:cNvPr id="18" name="文本框 17">
+            <a:extLst>
+              <a:ext uri="{FF2B5EF4-FFF2-40B4-BE49-F238E27FC236}">
+                <a16:creationId xmlns:a16="http://schemas.microsoft.com/office/drawing/2014/main" id="{B36E05C7-75B1-4370-A7C1-726DB9F06FF9}"/>
+              </a:ext>
+            </a:extLst>
+          </p:cNvPr>
+          <p:cNvSpPr txBox="1"/>
+          <p:nvPr/>
+        </p:nvSpPr>
+        <p:spPr>
+          <a:xfrm>
+            <a:off x="11414340" y="2012070"/>
+            <a:ext cx="441146" cy="246221"/>
+          </a:xfrm>
+          <a:prstGeom prst="rect">
+            <a:avLst/>
+          </a:prstGeom>
+          <a:noFill/>
+        </p:spPr>
+        <p:txBody>
+          <a:bodyPr wrap="none" rtlCol="0">
+            <a:spAutoFit/>
+          </a:bodyPr>
+          <a:lstStyle/>
+          <a:p>
+            <a:r>
+              <a:rPr lang="zh-CN" altLang="en-US" sz="1000" dirty="0">
+                <a:solidFill>
+                  <a:srgbClr val="00B0F0"/>
+                </a:solidFill>
+              </a:rPr>
+              <a:t>女性</a:t>
+            </a:r>
+          </a:p>
+        </p:txBody>
+      </p:sp>
+      <p:cxnSp>
+        <p:nvCxnSpPr>
+          <p:cNvPr id="19" name="直接连接符 18">
+            <a:extLst>
+              <a:ext uri="{FF2B5EF4-FFF2-40B4-BE49-F238E27FC236}">
+                <a16:creationId xmlns:a16="http://schemas.microsoft.com/office/drawing/2014/main" id="{64612DB5-7E4B-4695-A99E-39074FF08754}"/>
+              </a:ext>
+            </a:extLst>
+          </p:cNvPr>
+          <p:cNvCxnSpPr>
+            <a:cxnSpLocks/>
+          </p:cNvCxnSpPr>
+          <p:nvPr/>
+        </p:nvCxnSpPr>
+        <p:spPr>
+          <a:xfrm>
+            <a:off x="8715221" y="2851352"/>
+            <a:ext cx="3742099" cy="0"/>
+          </a:xfrm>
+          <a:prstGeom prst="line">
+            <a:avLst/>
+          </a:prstGeom>
+          <a:ln w="9525">
+            <a:gradFill>
+              <a:gsLst>
+                <a:gs pos="55000">
+                  <a:srgbClr val="DFE7F5">
+                    <a:alpha val="55000"/>
+                  </a:srgbClr>
+                </a:gs>
+                <a:gs pos="0">
+                  <a:schemeClr val="accent1">
+                    <a:lumMod val="5000"/>
+                    <a:lumOff val="95000"/>
+                    <a:alpha val="0"/>
+                  </a:schemeClr>
+                </a:gs>
+                <a:gs pos="100000">
+                  <a:schemeClr val="bg1">
+                    <a:alpha val="0"/>
+                  </a:schemeClr>
+                </a:gs>
+              </a:gsLst>
+              <a:lin ang="10800000" scaled="0"/>
+            </a:gradFill>
+          </a:ln>
+        </p:spPr>
+        <p:style>
+          <a:lnRef idx="1">
+            <a:schemeClr val="accent1"/>
+          </a:lnRef>
+          <a:fillRef idx="0">
+            <a:schemeClr val="accent1"/>
+          </a:fillRef>
+          <a:effectRef idx="0">
+            <a:schemeClr val="accent1"/>
+          </a:effectRef>
+          <a:fontRef idx="minor">
+            <a:schemeClr val="tx1"/>
+          </a:fontRef>
+        </p:style>
+      </p:cxnSp>
+      <p:sp>
+        <p:nvSpPr>
+          <p:cNvPr id="20" name="文本框 19">
+            <a:extLst>
+              <a:ext uri="{FF2B5EF4-FFF2-40B4-BE49-F238E27FC236}">
+                <a16:creationId xmlns:a16="http://schemas.microsoft.com/office/drawing/2014/main" id="{A05F5D5B-47AB-43B4-8087-46D12ED32CE1}"/>
+              </a:ext>
+            </a:extLst>
+          </p:cNvPr>
+          <p:cNvSpPr txBox="1"/>
+          <p:nvPr/>
+        </p:nvSpPr>
+        <p:spPr>
+          <a:xfrm>
+            <a:off x="10112881" y="2414117"/>
+            <a:ext cx="697627" cy="246221"/>
+          </a:xfrm>
+          <a:prstGeom prst="rect">
+            <a:avLst/>
+          </a:prstGeom>
+          <a:noFill/>
+        </p:spPr>
+        <p:txBody>
+          <a:bodyPr wrap="none" rtlCol="0">
+            <a:spAutoFit/>
+          </a:bodyPr>
+          <a:lstStyle/>
+          <a:p>
+            <a:r>
+              <a:rPr lang="zh-CN" altLang="en-US" sz="1000" b="1" dirty="0">
+                <a:solidFill>
+                  <a:schemeClr val="bg1"/>
+                </a:solidFill>
+              </a:rPr>
+              <a:t>意志倾向</a:t>
+            </a:r>
+          </a:p>
+        </p:txBody>
+      </p:sp>
+      <p:sp>
+        <p:nvSpPr>
+          <p:cNvPr id="21" name="文本框 20">
+            <a:extLst>
+              <a:ext uri="{FF2B5EF4-FFF2-40B4-BE49-F238E27FC236}">
+                <a16:creationId xmlns:a16="http://schemas.microsoft.com/office/drawing/2014/main" id="{569BF8C1-CB5A-450D-BC1E-67F8787DB8DF}"/>
+              </a:ext>
+            </a:extLst>
+          </p:cNvPr>
+          <p:cNvSpPr txBox="1"/>
+          <p:nvPr/>
+        </p:nvSpPr>
+        <p:spPr>
+          <a:xfrm>
+            <a:off x="11420622" y="2409866"/>
+            <a:ext cx="569387" cy="246221"/>
+          </a:xfrm>
+          <a:prstGeom prst="rect">
+            <a:avLst/>
+          </a:prstGeom>
+          <a:noFill/>
+        </p:spPr>
+        <p:txBody>
+          <a:bodyPr wrap="none" rtlCol="0">
+            <a:spAutoFit/>
+          </a:bodyPr>
+          <a:lstStyle/>
+          <a:p>
+            <a:r>
+              <a:rPr lang="zh-CN" altLang="en-US" sz="1000" dirty="0">
+                <a:solidFill>
+                  <a:srgbClr val="00B0F0"/>
+                </a:solidFill>
+              </a:rPr>
+              <a:t>共同体</a:t>
+            </a:r>
+          </a:p>
+        </p:txBody>
+      </p:sp>
+      <p:sp>
+        <p:nvSpPr>
+          <p:cNvPr id="22" name="文本框 21">
+            <a:extLst>
+              <a:ext uri="{FF2B5EF4-FFF2-40B4-BE49-F238E27FC236}">
+                <a16:creationId xmlns:a16="http://schemas.microsoft.com/office/drawing/2014/main" id="{4DFD7283-4213-44A1-AAC0-A8A2E4AACFA4}"/>
+              </a:ext>
+            </a:extLst>
+          </p:cNvPr>
+          <p:cNvSpPr txBox="1"/>
+          <p:nvPr/>
+        </p:nvSpPr>
+        <p:spPr>
+          <a:xfrm>
+            <a:off x="10112881" y="2204179"/>
+            <a:ext cx="441146" cy="246221"/>
+          </a:xfrm>
+          <a:prstGeom prst="rect">
+            <a:avLst/>
+          </a:prstGeom>
+          <a:noFill/>
+        </p:spPr>
+        <p:txBody>
+          <a:bodyPr wrap="none" rtlCol="0">
+            <a:spAutoFit/>
+          </a:bodyPr>
+          <a:lstStyle/>
+          <a:p>
+            <a:r>
+              <a:rPr lang="zh-CN" altLang="en-US" sz="1000" b="1" dirty="0">
+                <a:solidFill>
+                  <a:schemeClr val="bg1"/>
+                </a:solidFill>
+              </a:rPr>
+              <a:t>出生</a:t>
+            </a:r>
+          </a:p>
+        </p:txBody>
+      </p:sp>
+      <p:sp>
+        <p:nvSpPr>
+          <p:cNvPr id="23" name="文本框 22">
+            <a:extLst>
+              <a:ext uri="{FF2B5EF4-FFF2-40B4-BE49-F238E27FC236}">
+                <a16:creationId xmlns:a16="http://schemas.microsoft.com/office/drawing/2014/main" id="{2CF31FE3-B2CE-46D9-B4C3-534182BF03AA}"/>
+              </a:ext>
+            </a:extLst>
+          </p:cNvPr>
+          <p:cNvSpPr txBox="1"/>
+          <p:nvPr/>
+        </p:nvSpPr>
+        <p:spPr>
+          <a:xfrm>
+            <a:off x="11420622" y="2204177"/>
+            <a:ext cx="569387" cy="246221"/>
+          </a:xfrm>
+          <a:prstGeom prst="rect">
+            <a:avLst/>
+          </a:prstGeom>
+          <a:noFill/>
+        </p:spPr>
+        <p:txBody>
+          <a:bodyPr wrap="none" rtlCol="0">
+            <a:spAutoFit/>
+          </a:bodyPr>
+          <a:lstStyle/>
+          <a:p>
+            <a:r>
+              <a:rPr lang="zh-CN" altLang="en-US" sz="1000" dirty="0">
+                <a:solidFill>
+                  <a:srgbClr val="00B0F0"/>
+                </a:solidFill>
+              </a:rPr>
+              <a:t>丽日城</a:t>
+            </a:r>
+          </a:p>
+        </p:txBody>
+      </p:sp>
+      <p:sp>
+        <p:nvSpPr>
+          <p:cNvPr id="25" name="Freeform 98">
+            <a:extLst>
+              <a:ext uri="{FF2B5EF4-FFF2-40B4-BE49-F238E27FC236}">
+                <a16:creationId xmlns:a16="http://schemas.microsoft.com/office/drawing/2014/main" id="{42259316-A7D6-451D-B9B9-D2B2D131F16C}"/>
+              </a:ext>
+            </a:extLst>
+          </p:cNvPr>
+          <p:cNvSpPr>
+            <a:spLocks noEditPoints="1"/>
+          </p:cNvSpPr>
+          <p:nvPr/>
+        </p:nvSpPr>
+        <p:spPr bwMode="auto">
+          <a:xfrm>
+            <a:off x="8824166" y="831583"/>
+            <a:ext cx="160606" cy="213112"/>
+          </a:xfrm>
+          <a:custGeom>
+            <a:avLst/>
+            <a:gdLst>
+              <a:gd name="T0" fmla="*/ 21 w 145"/>
+              <a:gd name="T1" fmla="*/ 0 h 192"/>
+              <a:gd name="T2" fmla="*/ 0 w 145"/>
+              <a:gd name="T3" fmla="*/ 171 h 192"/>
+              <a:gd name="T4" fmla="*/ 124 w 145"/>
+              <a:gd name="T5" fmla="*/ 192 h 192"/>
+              <a:gd name="T6" fmla="*/ 145 w 145"/>
+              <a:gd name="T7" fmla="*/ 22 h 192"/>
+              <a:gd name="T8" fmla="*/ 49 w 145"/>
+              <a:gd name="T9" fmla="*/ 164 h 192"/>
+              <a:gd name="T10" fmla="*/ 37 w 145"/>
+              <a:gd name="T11" fmla="*/ 150 h 192"/>
+              <a:gd name="T12" fmla="*/ 54 w 145"/>
+              <a:gd name="T13" fmla="*/ 147 h 192"/>
+              <a:gd name="T14" fmla="*/ 49 w 145"/>
+              <a:gd name="T15" fmla="*/ 164 h 192"/>
+              <a:gd name="T16" fmla="*/ 56 w 145"/>
+              <a:gd name="T17" fmla="*/ 142 h 192"/>
+              <a:gd name="T18" fmla="*/ 32 w 145"/>
+              <a:gd name="T19" fmla="*/ 147 h 192"/>
+              <a:gd name="T20" fmla="*/ 20 w 145"/>
+              <a:gd name="T21" fmla="*/ 126 h 192"/>
+              <a:gd name="T22" fmla="*/ 37 w 145"/>
+              <a:gd name="T23" fmla="*/ 108 h 192"/>
+              <a:gd name="T24" fmla="*/ 59 w 145"/>
+              <a:gd name="T25" fmla="*/ 118 h 192"/>
+              <a:gd name="T26" fmla="*/ 122 w 145"/>
+              <a:gd name="T27" fmla="*/ 164 h 192"/>
+              <a:gd name="T28" fmla="*/ 82 w 145"/>
+              <a:gd name="T29" fmla="*/ 160 h 192"/>
+              <a:gd name="T30" fmla="*/ 122 w 145"/>
+              <a:gd name="T31" fmla="*/ 156 h 192"/>
+              <a:gd name="T32" fmla="*/ 122 w 145"/>
+              <a:gd name="T33" fmla="*/ 164 h 192"/>
+              <a:gd name="T34" fmla="*/ 86 w 145"/>
+              <a:gd name="T35" fmla="*/ 140 h 192"/>
+              <a:gd name="T36" fmla="*/ 86 w 145"/>
+              <a:gd name="T37" fmla="*/ 132 h 192"/>
+              <a:gd name="T38" fmla="*/ 126 w 145"/>
+              <a:gd name="T39" fmla="*/ 136 h 192"/>
+              <a:gd name="T40" fmla="*/ 122 w 145"/>
+              <a:gd name="T41" fmla="*/ 117 h 192"/>
+              <a:gd name="T42" fmla="*/ 82 w 145"/>
+              <a:gd name="T43" fmla="*/ 113 h 192"/>
+              <a:gd name="T44" fmla="*/ 122 w 145"/>
+              <a:gd name="T45" fmla="*/ 109 h 192"/>
+              <a:gd name="T46" fmla="*/ 122 w 145"/>
+              <a:gd name="T47" fmla="*/ 117 h 192"/>
+              <a:gd name="T48" fmla="*/ 27 w 145"/>
+              <a:gd name="T49" fmla="*/ 94 h 192"/>
+              <a:gd name="T50" fmla="*/ 27 w 145"/>
+              <a:gd name="T51" fmla="*/ 86 h 192"/>
+              <a:gd name="T52" fmla="*/ 126 w 145"/>
+              <a:gd name="T53" fmla="*/ 90 h 192"/>
+              <a:gd name="T54" fmla="*/ 122 w 145"/>
+              <a:gd name="T55" fmla="*/ 72 h 192"/>
+              <a:gd name="T56" fmla="*/ 23 w 145"/>
+              <a:gd name="T57" fmla="*/ 68 h 192"/>
+              <a:gd name="T58" fmla="*/ 122 w 145"/>
+              <a:gd name="T59" fmla="*/ 64 h 192"/>
+              <a:gd name="T60" fmla="*/ 122 w 145"/>
+              <a:gd name="T61" fmla="*/ 72 h 192"/>
+              <a:gd name="T62" fmla="*/ 27 w 145"/>
+              <a:gd name="T63" fmla="*/ 51 h 192"/>
+              <a:gd name="T64" fmla="*/ 27 w 145"/>
+              <a:gd name="T65" fmla="*/ 43 h 192"/>
+              <a:gd name="T66" fmla="*/ 126 w 145"/>
+              <a:gd name="T67" fmla="*/ 47 h 192"/>
+              <a:gd name="T68" fmla="*/ 122 w 145"/>
+              <a:gd name="T69" fmla="*/ 29 h 192"/>
+              <a:gd name="T70" fmla="*/ 23 w 145"/>
+              <a:gd name="T71" fmla="*/ 25 h 192"/>
+              <a:gd name="T72" fmla="*/ 122 w 145"/>
+              <a:gd name="T73" fmla="*/ 21 h 192"/>
+              <a:gd name="T74" fmla="*/ 122 w 145"/>
+              <a:gd name="T75" fmla="*/ 29 h 192"/>
+            </a:gdLst>
+            <a:ahLst/>
+            <a:cxnLst>
+              <a:cxn ang="0">
+                <a:pos x="T0" y="T1"/>
+              </a:cxn>
+              <a:cxn ang="0">
+                <a:pos x="T2" y="T3"/>
+              </a:cxn>
+              <a:cxn ang="0">
+                <a:pos x="T4" y="T5"/>
+              </a:cxn>
+              <a:cxn ang="0">
+                <a:pos x="T6" y="T7"/>
+              </a:cxn>
+              <a:cxn ang="0">
+                <a:pos x="T8" y="T9"/>
+              </a:cxn>
+              <a:cxn ang="0">
+                <a:pos x="T10" y="T11"/>
+              </a:cxn>
+              <a:cxn ang="0">
+                <a:pos x="T12" y="T13"/>
+              </a:cxn>
+              <a:cxn ang="0">
+                <a:pos x="T14" y="T15"/>
+              </a:cxn>
+              <a:cxn ang="0">
+                <a:pos x="T16" y="T17"/>
+              </a:cxn>
+              <a:cxn ang="0">
+                <a:pos x="T18" y="T19"/>
+              </a:cxn>
+              <a:cxn ang="0">
+                <a:pos x="T20" y="T21"/>
+              </a:cxn>
+              <a:cxn ang="0">
+                <a:pos x="T22" y="T23"/>
+              </a:cxn>
+              <a:cxn ang="0">
+                <a:pos x="T24" y="T25"/>
+              </a:cxn>
+              <a:cxn ang="0">
+                <a:pos x="T26" y="T27"/>
+              </a:cxn>
+              <a:cxn ang="0">
+                <a:pos x="T28" y="T29"/>
+              </a:cxn>
+              <a:cxn ang="0">
+                <a:pos x="T30" y="T31"/>
+              </a:cxn>
+              <a:cxn ang="0">
+                <a:pos x="T32" y="T33"/>
+              </a:cxn>
+              <a:cxn ang="0">
+                <a:pos x="T34" y="T35"/>
+              </a:cxn>
+              <a:cxn ang="0">
+                <a:pos x="T36" y="T37"/>
+              </a:cxn>
+              <a:cxn ang="0">
+                <a:pos x="T38" y="T39"/>
+              </a:cxn>
+              <a:cxn ang="0">
+                <a:pos x="T40" y="T41"/>
+              </a:cxn>
+              <a:cxn ang="0">
+                <a:pos x="T42" y="T43"/>
+              </a:cxn>
+              <a:cxn ang="0">
+                <a:pos x="T44" y="T45"/>
+              </a:cxn>
+              <a:cxn ang="0">
+                <a:pos x="T46" y="T47"/>
+              </a:cxn>
+              <a:cxn ang="0">
+                <a:pos x="T48" y="T49"/>
+              </a:cxn>
+              <a:cxn ang="0">
+                <a:pos x="T50" y="T51"/>
+              </a:cxn>
+              <a:cxn ang="0">
+                <a:pos x="T52" y="T53"/>
+              </a:cxn>
+              <a:cxn ang="0">
+                <a:pos x="T54" y="T55"/>
+              </a:cxn>
+              <a:cxn ang="0">
+                <a:pos x="T56" y="T57"/>
+              </a:cxn>
+              <a:cxn ang="0">
+                <a:pos x="T58" y="T59"/>
+              </a:cxn>
+              <a:cxn ang="0">
+                <a:pos x="T60" y="T61"/>
+              </a:cxn>
+              <a:cxn ang="0">
+                <a:pos x="T62" y="T63"/>
+              </a:cxn>
+              <a:cxn ang="0">
+                <a:pos x="T64" y="T65"/>
+              </a:cxn>
+              <a:cxn ang="0">
+                <a:pos x="T66" y="T67"/>
+              </a:cxn>
+              <a:cxn ang="0">
+                <a:pos x="T68" y="T69"/>
+              </a:cxn>
+              <a:cxn ang="0">
+                <a:pos x="T70" y="T71"/>
+              </a:cxn>
+              <a:cxn ang="0">
+                <a:pos x="T72" y="T73"/>
+              </a:cxn>
+              <a:cxn ang="0">
+                <a:pos x="T74" y="T75"/>
+              </a:cxn>
+            </a:cxnLst>
+            <a:rect l="0" t="0" r="r" b="b"/>
+            <a:pathLst>
+              <a:path w="145" h="192">
+                <a:moveTo>
+                  <a:pt x="124" y="0"/>
+                </a:moveTo>
+                <a:cubicBezTo>
+                  <a:pt x="21" y="0"/>
+                  <a:pt x="21" y="0"/>
+                  <a:pt x="21" y="0"/>
+                </a:cubicBezTo>
+                <a:cubicBezTo>
+                  <a:pt x="9" y="0"/>
+                  <a:pt x="0" y="10"/>
+                  <a:pt x="0" y="22"/>
+                </a:cubicBezTo>
+                <a:cubicBezTo>
+                  <a:pt x="0" y="171"/>
+                  <a:pt x="0" y="171"/>
+                  <a:pt x="0" y="171"/>
+                </a:cubicBezTo>
+                <a:cubicBezTo>
+                  <a:pt x="0" y="183"/>
+                  <a:pt x="9" y="192"/>
+                  <a:pt x="21" y="192"/>
+                </a:cubicBezTo>
+                <a:cubicBezTo>
+                  <a:pt x="124" y="192"/>
+                  <a:pt x="124" y="192"/>
+                  <a:pt x="124" y="192"/>
+                </a:cubicBezTo>
+                <a:cubicBezTo>
+                  <a:pt x="136" y="192"/>
+                  <a:pt x="145" y="183"/>
+                  <a:pt x="145" y="171"/>
+                </a:cubicBezTo>
+                <a:cubicBezTo>
+                  <a:pt x="145" y="22"/>
+                  <a:pt x="145" y="22"/>
+                  <a:pt x="145" y="22"/>
+                </a:cubicBezTo>
+                <a:cubicBezTo>
+                  <a:pt x="145" y="10"/>
+                  <a:pt x="136" y="0"/>
+                  <a:pt x="124" y="0"/>
+                </a:cubicBezTo>
+                <a:close/>
+                <a:moveTo>
+                  <a:pt x="49" y="164"/>
+                </a:moveTo>
+                <a:cubicBezTo>
+                  <a:pt x="42" y="173"/>
+                  <a:pt x="42" y="173"/>
+                  <a:pt x="42" y="173"/>
+                </a:cubicBezTo>
+                <a:cubicBezTo>
+                  <a:pt x="37" y="150"/>
+                  <a:pt x="37" y="150"/>
+                  <a:pt x="37" y="150"/>
+                </a:cubicBezTo>
+                <a:cubicBezTo>
+                  <a:pt x="39" y="148"/>
+                  <a:pt x="42" y="143"/>
+                  <a:pt x="44" y="143"/>
+                </a:cubicBezTo>
+                <a:cubicBezTo>
+                  <a:pt x="46" y="142"/>
+                  <a:pt x="50" y="145"/>
+                  <a:pt x="54" y="147"/>
+                </a:cubicBezTo>
+                <a:cubicBezTo>
+                  <a:pt x="58" y="169"/>
+                  <a:pt x="58" y="169"/>
+                  <a:pt x="58" y="169"/>
+                </a:cubicBezTo>
+                <a:lnTo>
+                  <a:pt x="49" y="164"/>
+                </a:lnTo>
+                <a:close/>
+                <a:moveTo>
+                  <a:pt x="51" y="129"/>
+                </a:moveTo>
+                <a:cubicBezTo>
+                  <a:pt x="51" y="133"/>
+                  <a:pt x="58" y="140"/>
+                  <a:pt x="56" y="142"/>
+                </a:cubicBezTo>
+                <a:cubicBezTo>
+                  <a:pt x="54" y="145"/>
+                  <a:pt x="46" y="138"/>
+                  <a:pt x="43" y="138"/>
+                </a:cubicBezTo>
+                <a:cubicBezTo>
+                  <a:pt x="40" y="139"/>
+                  <a:pt x="35" y="148"/>
+                  <a:pt x="32" y="147"/>
+                </a:cubicBezTo>
+                <a:cubicBezTo>
+                  <a:pt x="29" y="146"/>
+                  <a:pt x="34" y="136"/>
+                  <a:pt x="32" y="133"/>
+                </a:cubicBezTo>
+                <a:cubicBezTo>
+                  <a:pt x="30" y="130"/>
+                  <a:pt x="20" y="129"/>
+                  <a:pt x="20" y="126"/>
+                </a:cubicBezTo>
+                <a:cubicBezTo>
+                  <a:pt x="21" y="123"/>
+                  <a:pt x="31" y="124"/>
+                  <a:pt x="33" y="121"/>
+                </a:cubicBezTo>
+                <a:cubicBezTo>
+                  <a:pt x="36" y="119"/>
+                  <a:pt x="33" y="109"/>
+                  <a:pt x="37" y="108"/>
+                </a:cubicBezTo>
+                <a:cubicBezTo>
+                  <a:pt x="40" y="107"/>
+                  <a:pt x="42" y="117"/>
+                  <a:pt x="45" y="119"/>
+                </a:cubicBezTo>
+                <a:cubicBezTo>
+                  <a:pt x="48" y="120"/>
+                  <a:pt x="57" y="115"/>
+                  <a:pt x="59" y="118"/>
+                </a:cubicBezTo>
+                <a:cubicBezTo>
+                  <a:pt x="60" y="121"/>
+                  <a:pt x="51" y="126"/>
+                  <a:pt x="51" y="129"/>
+                </a:cubicBezTo>
+                <a:close/>
+                <a:moveTo>
+                  <a:pt x="122" y="164"/>
+                </a:moveTo>
+                <a:cubicBezTo>
+                  <a:pt x="86" y="164"/>
+                  <a:pt x="86" y="164"/>
+                  <a:pt x="86" y="164"/>
+                </a:cubicBezTo>
+                <a:cubicBezTo>
+                  <a:pt x="84" y="164"/>
+                  <a:pt x="82" y="162"/>
+                  <a:pt x="82" y="160"/>
+                </a:cubicBezTo>
+                <a:cubicBezTo>
+                  <a:pt x="82" y="158"/>
+                  <a:pt x="84" y="156"/>
+                  <a:pt x="86" y="156"/>
+                </a:cubicBezTo>
+                <a:cubicBezTo>
+                  <a:pt x="122" y="156"/>
+                  <a:pt x="122" y="156"/>
+                  <a:pt x="122" y="156"/>
+                </a:cubicBezTo>
+                <a:cubicBezTo>
+                  <a:pt x="124" y="156"/>
+                  <a:pt x="126" y="158"/>
+                  <a:pt x="126" y="160"/>
+                </a:cubicBezTo>
+                <a:cubicBezTo>
+                  <a:pt x="126" y="162"/>
+                  <a:pt x="124" y="164"/>
+                  <a:pt x="122" y="164"/>
+                </a:cubicBezTo>
+                <a:close/>
+                <a:moveTo>
+                  <a:pt x="122" y="140"/>
+                </a:moveTo>
+                <a:cubicBezTo>
+                  <a:pt x="86" y="140"/>
+                  <a:pt x="86" y="140"/>
+                  <a:pt x="86" y="140"/>
+                </a:cubicBezTo>
+                <a:cubicBezTo>
+                  <a:pt x="84" y="140"/>
+                  <a:pt x="82" y="138"/>
+                  <a:pt x="82" y="136"/>
+                </a:cubicBezTo>
+                <a:cubicBezTo>
+                  <a:pt x="82" y="134"/>
+                  <a:pt x="84" y="132"/>
+                  <a:pt x="86" y="132"/>
+                </a:cubicBezTo>
+                <a:cubicBezTo>
+                  <a:pt x="122" y="132"/>
+                  <a:pt x="122" y="132"/>
+                  <a:pt x="122" y="132"/>
+                </a:cubicBezTo>
+                <a:cubicBezTo>
+                  <a:pt x="124" y="132"/>
+                  <a:pt x="126" y="134"/>
+                  <a:pt x="126" y="136"/>
+                </a:cubicBezTo>
+                <a:cubicBezTo>
+                  <a:pt x="126" y="138"/>
+                  <a:pt x="124" y="140"/>
+                  <a:pt x="122" y="140"/>
+                </a:cubicBezTo>
+                <a:close/>
+                <a:moveTo>
+                  <a:pt x="122" y="117"/>
+                </a:moveTo>
+                <a:cubicBezTo>
+                  <a:pt x="86" y="117"/>
+                  <a:pt x="86" y="117"/>
+                  <a:pt x="86" y="117"/>
+                </a:cubicBezTo>
+                <a:cubicBezTo>
+                  <a:pt x="84" y="117"/>
+                  <a:pt x="82" y="115"/>
+                  <a:pt x="82" y="113"/>
+                </a:cubicBezTo>
+                <a:cubicBezTo>
+                  <a:pt x="82" y="110"/>
+                  <a:pt x="84" y="109"/>
+                  <a:pt x="86" y="109"/>
+                </a:cubicBezTo>
+                <a:cubicBezTo>
+                  <a:pt x="122" y="109"/>
+                  <a:pt x="122" y="109"/>
+                  <a:pt x="122" y="109"/>
+                </a:cubicBezTo>
+                <a:cubicBezTo>
+                  <a:pt x="124" y="109"/>
+                  <a:pt x="126" y="110"/>
+                  <a:pt x="126" y="113"/>
+                </a:cubicBezTo>
+                <a:cubicBezTo>
+                  <a:pt x="126" y="115"/>
+                  <a:pt x="124" y="117"/>
+                  <a:pt x="122" y="117"/>
+                </a:cubicBezTo>
+                <a:close/>
+                <a:moveTo>
+                  <a:pt x="122" y="94"/>
+                </a:moveTo>
+                <a:cubicBezTo>
+                  <a:pt x="27" y="94"/>
+                  <a:pt x="27" y="94"/>
+                  <a:pt x="27" y="94"/>
+                </a:cubicBezTo>
+                <a:cubicBezTo>
+                  <a:pt x="25" y="94"/>
+                  <a:pt x="23" y="93"/>
+                  <a:pt x="23" y="90"/>
+                </a:cubicBezTo>
+                <a:cubicBezTo>
+                  <a:pt x="23" y="88"/>
+                  <a:pt x="25" y="86"/>
+                  <a:pt x="27" y="86"/>
+                </a:cubicBezTo>
+                <a:cubicBezTo>
+                  <a:pt x="122" y="86"/>
+                  <a:pt x="122" y="86"/>
+                  <a:pt x="122" y="86"/>
+                </a:cubicBezTo>
+                <a:cubicBezTo>
+                  <a:pt x="124" y="86"/>
+                  <a:pt x="126" y="88"/>
+                  <a:pt x="126" y="90"/>
+                </a:cubicBezTo>
+                <a:cubicBezTo>
+                  <a:pt x="126" y="93"/>
+                  <a:pt x="124" y="94"/>
+                  <a:pt x="122" y="94"/>
+                </a:cubicBezTo>
+                <a:close/>
+                <a:moveTo>
+                  <a:pt x="122" y="72"/>
+                </a:moveTo>
+                <a:cubicBezTo>
+                  <a:pt x="27" y="72"/>
+                  <a:pt x="27" y="72"/>
+                  <a:pt x="27" y="72"/>
+                </a:cubicBezTo>
+                <a:cubicBezTo>
+                  <a:pt x="25" y="72"/>
+                  <a:pt x="23" y="71"/>
+                  <a:pt x="23" y="68"/>
+                </a:cubicBezTo>
+                <a:cubicBezTo>
+                  <a:pt x="23" y="66"/>
+                  <a:pt x="25" y="64"/>
+                  <a:pt x="27" y="64"/>
+                </a:cubicBezTo>
+                <a:cubicBezTo>
+                  <a:pt x="122" y="64"/>
+                  <a:pt x="122" y="64"/>
+                  <a:pt x="122" y="64"/>
+                </a:cubicBezTo>
+                <a:cubicBezTo>
+                  <a:pt x="124" y="64"/>
+                  <a:pt x="126" y="66"/>
+                  <a:pt x="126" y="68"/>
+                </a:cubicBezTo>
+                <a:cubicBezTo>
+                  <a:pt x="126" y="71"/>
+                  <a:pt x="124" y="72"/>
+                  <a:pt x="122" y="72"/>
+                </a:cubicBezTo>
+                <a:close/>
+                <a:moveTo>
+                  <a:pt x="122" y="51"/>
+                </a:moveTo>
+                <a:cubicBezTo>
+                  <a:pt x="27" y="51"/>
+                  <a:pt x="27" y="51"/>
+                  <a:pt x="27" y="51"/>
+                </a:cubicBezTo>
+                <a:cubicBezTo>
+                  <a:pt x="25" y="51"/>
+                  <a:pt x="23" y="49"/>
+                  <a:pt x="23" y="47"/>
+                </a:cubicBezTo>
+                <a:cubicBezTo>
+                  <a:pt x="23" y="44"/>
+                  <a:pt x="25" y="43"/>
+                  <a:pt x="27" y="43"/>
+                </a:cubicBezTo>
+                <a:cubicBezTo>
+                  <a:pt x="122" y="43"/>
+                  <a:pt x="122" y="43"/>
+                  <a:pt x="122" y="43"/>
+                </a:cubicBezTo>
+                <a:cubicBezTo>
+                  <a:pt x="124" y="43"/>
+                  <a:pt x="126" y="44"/>
+                  <a:pt x="126" y="47"/>
+                </a:cubicBezTo>
+                <a:cubicBezTo>
+                  <a:pt x="126" y="49"/>
+                  <a:pt x="124" y="51"/>
+                  <a:pt x="122" y="51"/>
+                </a:cubicBezTo>
+                <a:close/>
+                <a:moveTo>
+                  <a:pt x="122" y="29"/>
+                </a:moveTo>
+                <a:cubicBezTo>
+                  <a:pt x="27" y="29"/>
+                  <a:pt x="27" y="29"/>
+                  <a:pt x="27" y="29"/>
+                </a:cubicBezTo>
+                <a:cubicBezTo>
+                  <a:pt x="25" y="29"/>
+                  <a:pt x="23" y="27"/>
+                  <a:pt x="23" y="25"/>
+                </a:cubicBezTo>
+                <a:cubicBezTo>
+                  <a:pt x="23" y="23"/>
+                  <a:pt x="25" y="21"/>
+                  <a:pt x="27" y="21"/>
+                </a:cubicBezTo>
+                <a:cubicBezTo>
+                  <a:pt x="122" y="21"/>
+                  <a:pt x="122" y="21"/>
+                  <a:pt x="122" y="21"/>
+                </a:cubicBezTo>
+                <a:cubicBezTo>
+                  <a:pt x="124" y="21"/>
+                  <a:pt x="126" y="23"/>
+                  <a:pt x="126" y="25"/>
+                </a:cubicBezTo>
+                <a:cubicBezTo>
+                  <a:pt x="126" y="27"/>
+                  <a:pt x="124" y="29"/>
+                  <a:pt x="122" y="29"/>
+                </a:cubicBezTo>
+                <a:close/>
+              </a:path>
+            </a:pathLst>
+          </a:custGeom>
+          <a:solidFill>
+            <a:schemeClr val="bg1"/>
+          </a:solidFill>
+          <a:ln>
+            <a:noFill/>
+          </a:ln>
+        </p:spPr>
+        <p:txBody>
+          <a:bodyPr vert="horz" wrap="square" lIns="91440" tIns="45720" rIns="91440" bIns="45720" numCol="1" anchor="t" anchorCtr="0" compatLnSpc="1">
+            <a:prstTxWarp prst="textNoShape">
+              <a:avLst/>
+            </a:prstTxWarp>
+          </a:bodyPr>
+          <a:lstStyle/>
+          <a:p>
+            <a:endParaRPr lang="zh-CN" altLang="en-US"/>
+          </a:p>
+        </p:txBody>
+      </p:sp>
+      <p:sp>
+        <p:nvSpPr>
+          <p:cNvPr id="34" name="文本框 33">
+            <a:extLst>
+              <a:ext uri="{FF2B5EF4-FFF2-40B4-BE49-F238E27FC236}">
+                <a16:creationId xmlns:a16="http://schemas.microsoft.com/office/drawing/2014/main" id="{BD91908B-7DDA-45A0-AF37-F23598270C6E}"/>
+              </a:ext>
+            </a:extLst>
+          </p:cNvPr>
+          <p:cNvSpPr txBox="1"/>
+          <p:nvPr/>
+        </p:nvSpPr>
+        <p:spPr>
+          <a:xfrm>
+            <a:off x="9378951" y="2905897"/>
+            <a:ext cx="2813050" cy="584775"/>
+          </a:xfrm>
+          <a:prstGeom prst="rect">
+            <a:avLst/>
+          </a:prstGeom>
+          <a:noFill/>
+        </p:spPr>
+        <p:txBody>
+          <a:bodyPr wrap="square" rtlCol="0">
+            <a:spAutoFit/>
+          </a:bodyPr>
+          <a:lstStyle/>
+          <a:p>
+            <a:r>
+              <a:rPr lang="zh-CN" altLang="en-US" sz="800" dirty="0">
+                <a:solidFill>
+                  <a:schemeClr val="bg1">
+                    <a:alpha val="70000"/>
+                  </a:schemeClr>
+                </a:solidFill>
+              </a:rPr>
+              <a:t>据说蒙多医生是出生在</a:t>
+            </a:r>
+            <a:r>
+              <a:rPr lang="en-US" altLang="zh-CN" sz="800" dirty="0">
+                <a:solidFill>
+                  <a:schemeClr val="bg1">
+                    <a:alpha val="70000"/>
+                  </a:schemeClr>
+                </a:solidFill>
+              </a:rPr>
+              <a:t>Zaun</a:t>
+            </a:r>
+            <a:r>
+              <a:rPr lang="zh-CN" altLang="en-US" sz="800" dirty="0">
+                <a:solidFill>
+                  <a:schemeClr val="bg1">
+                    <a:alpha val="70000"/>
+                  </a:schemeClr>
+                </a:solidFill>
+              </a:rPr>
+              <a:t>的一个无情的男子，他有无法抑制的冲动去通过实验制造痛苦。在他五岁的时候，他周围邻居的宠物经常失踪；在他十岁的时候，他自己的父母也莫名其妙的失踪了。</a:t>
+            </a:r>
+          </a:p>
+        </p:txBody>
+      </p:sp>
+      <p:grpSp>
+        <p:nvGrpSpPr>
+          <p:cNvPr id="41" name="组合 40">
+            <a:extLst>
+              <a:ext uri="{FF2B5EF4-FFF2-40B4-BE49-F238E27FC236}">
+                <a16:creationId xmlns:a16="http://schemas.microsoft.com/office/drawing/2014/main" id="{AAD7B23E-4C08-473F-B2CC-EDE14AEAE525}"/>
+              </a:ext>
+            </a:extLst>
+          </p:cNvPr>
+          <p:cNvGrpSpPr/>
+          <p:nvPr/>
+        </p:nvGrpSpPr>
+        <p:grpSpPr>
+          <a:xfrm>
+            <a:off x="8941147" y="2957934"/>
+            <a:ext cx="395106" cy="388214"/>
+            <a:chOff x="5232400" y="1020763"/>
+            <a:chExt cx="546101" cy="536575"/>
+          </a:xfrm>
+          <a:solidFill>
+            <a:schemeClr val="bg1">
+              <a:alpha val="43000"/>
+            </a:schemeClr>
+          </a:solidFill>
+        </p:grpSpPr>
+        <p:sp>
+          <p:nvSpPr>
+            <p:cNvPr id="35" name="Freeform 32">
+              <a:extLst>
+                <a:ext uri="{FF2B5EF4-FFF2-40B4-BE49-F238E27FC236}">
+                  <a16:creationId xmlns:a16="http://schemas.microsoft.com/office/drawing/2014/main" id="{AF5F06DA-D31C-4F28-BCB0-EE2CB352330B}"/>
+                </a:ext>
+              </a:extLst>
+            </p:cNvPr>
+            <p:cNvSpPr>
+              <a:spLocks/>
+            </p:cNvSpPr>
+            <p:nvPr/>
+          </p:nvSpPr>
+          <p:spPr bwMode="auto">
+            <a:xfrm>
+              <a:off x="5232400" y="1154113"/>
+              <a:ext cx="60325" cy="22225"/>
+            </a:xfrm>
+            <a:custGeom>
+              <a:avLst/>
+              <a:gdLst>
+                <a:gd name="T0" fmla="*/ 0 w 21"/>
+                <a:gd name="T1" fmla="*/ 4 h 8"/>
+                <a:gd name="T2" fmla="*/ 4 w 21"/>
+                <a:gd name="T3" fmla="*/ 8 h 8"/>
+                <a:gd name="T4" fmla="*/ 21 w 21"/>
+                <a:gd name="T5" fmla="*/ 8 h 8"/>
+                <a:gd name="T6" fmla="*/ 21 w 21"/>
+                <a:gd name="T7" fmla="*/ 0 h 8"/>
+                <a:gd name="T8" fmla="*/ 4 w 21"/>
+                <a:gd name="T9" fmla="*/ 0 h 8"/>
+                <a:gd name="T10" fmla="*/ 0 w 21"/>
+                <a:gd name="T11" fmla="*/ 4 h 8"/>
+              </a:gdLst>
+              <a:ahLst/>
+              <a:cxnLst>
+                <a:cxn ang="0">
+                  <a:pos x="T0" y="T1"/>
+                </a:cxn>
+                <a:cxn ang="0">
+                  <a:pos x="T2" y="T3"/>
+                </a:cxn>
+                <a:cxn ang="0">
+                  <a:pos x="T4" y="T5"/>
+                </a:cxn>
+                <a:cxn ang="0">
+                  <a:pos x="T6" y="T7"/>
+                </a:cxn>
+                <a:cxn ang="0">
+                  <a:pos x="T8" y="T9"/>
+                </a:cxn>
+                <a:cxn ang="0">
+                  <a:pos x="T10" y="T11"/>
+                </a:cxn>
+              </a:cxnLst>
+              <a:rect l="0" t="0" r="r" b="b"/>
+              <a:pathLst>
+                <a:path w="21" h="8">
+                  <a:moveTo>
+                    <a:pt x="0" y="4"/>
+                  </a:moveTo>
+                  <a:cubicBezTo>
+                    <a:pt x="0" y="6"/>
+                    <a:pt x="2" y="8"/>
+                    <a:pt x="4" y="8"/>
+                  </a:cubicBezTo>
+                  <a:cubicBezTo>
+                    <a:pt x="21" y="8"/>
+                    <a:pt x="21" y="8"/>
+                    <a:pt x="21" y="8"/>
+                  </a:cubicBezTo>
+                  <a:cubicBezTo>
+                    <a:pt x="21" y="0"/>
+                    <a:pt x="21" y="0"/>
+                    <a:pt x="21" y="0"/>
+                  </a:cubicBezTo>
+                  <a:cubicBezTo>
+                    <a:pt x="4" y="0"/>
+                    <a:pt x="4" y="0"/>
+                    <a:pt x="4" y="0"/>
+                  </a:cubicBezTo>
+                  <a:cubicBezTo>
+                    <a:pt x="2" y="0"/>
+                    <a:pt x="0" y="2"/>
+                    <a:pt x="0" y="4"/>
+                  </a:cubicBezTo>
+                  <a:close/>
+                </a:path>
+              </a:pathLst>
+            </a:custGeom>
+            <a:grpFill/>
+            <a:ln>
+              <a:noFill/>
+            </a:ln>
+            <a:extLst>
+              <a:ext uri="{91240B29-F687-4F45-9708-019B960494DF}">
+                <a14:hiddenLine xmlns:a14="http://schemas.microsoft.com/office/drawing/2010/main" w="9525">
+                  <a:solidFill>
+                    <a:srgbClr val="000000"/>
+                  </a:solidFill>
+                  <a:round/>
+                  <a:headEnd/>
+                  <a:tailEnd/>
+                </a14:hiddenLine>
+              </a:ext>
+            </a:extLst>
+          </p:spPr>
+          <p:txBody>
+            <a:bodyPr vert="horz" wrap="square" lIns="91440" tIns="45720" rIns="91440" bIns="45720" numCol="1" anchor="t" anchorCtr="0" compatLnSpc="1">
+              <a:prstTxWarp prst="textNoShape">
+                <a:avLst/>
+              </a:prstTxWarp>
+            </a:bodyPr>
+            <a:lstStyle/>
+            <a:p>
+              <a:endParaRPr lang="zh-CN" altLang="en-US"/>
+            </a:p>
+          </p:txBody>
+        </p:sp>
+        <p:sp>
+          <p:nvSpPr>
+            <p:cNvPr id="36" name="Freeform 33">
+              <a:extLst>
+                <a:ext uri="{FF2B5EF4-FFF2-40B4-BE49-F238E27FC236}">
+                  <a16:creationId xmlns:a16="http://schemas.microsoft.com/office/drawing/2014/main" id="{1B988B45-E2D4-48FE-9E9C-EAAF17F79749}"/>
+                </a:ext>
+              </a:extLst>
+            </p:cNvPr>
+            <p:cNvSpPr>
+              <a:spLocks/>
+            </p:cNvSpPr>
+            <p:nvPr/>
+          </p:nvSpPr>
+          <p:spPr bwMode="auto">
+            <a:xfrm>
+              <a:off x="5232400" y="1236663"/>
+              <a:ext cx="60325" cy="22225"/>
+            </a:xfrm>
+            <a:custGeom>
+              <a:avLst/>
+              <a:gdLst>
+                <a:gd name="T0" fmla="*/ 0 w 21"/>
+                <a:gd name="T1" fmla="*/ 4 h 8"/>
+                <a:gd name="T2" fmla="*/ 4 w 21"/>
+                <a:gd name="T3" fmla="*/ 8 h 8"/>
+                <a:gd name="T4" fmla="*/ 21 w 21"/>
+                <a:gd name="T5" fmla="*/ 8 h 8"/>
+                <a:gd name="T6" fmla="*/ 21 w 21"/>
+                <a:gd name="T7" fmla="*/ 0 h 8"/>
+                <a:gd name="T8" fmla="*/ 4 w 21"/>
+                <a:gd name="T9" fmla="*/ 0 h 8"/>
+                <a:gd name="T10" fmla="*/ 0 w 21"/>
+                <a:gd name="T11" fmla="*/ 4 h 8"/>
+              </a:gdLst>
+              <a:ahLst/>
+              <a:cxnLst>
+                <a:cxn ang="0">
+                  <a:pos x="T0" y="T1"/>
+                </a:cxn>
+                <a:cxn ang="0">
+                  <a:pos x="T2" y="T3"/>
+                </a:cxn>
+                <a:cxn ang="0">
+                  <a:pos x="T4" y="T5"/>
+                </a:cxn>
+                <a:cxn ang="0">
+                  <a:pos x="T6" y="T7"/>
+                </a:cxn>
+                <a:cxn ang="0">
+                  <a:pos x="T8" y="T9"/>
+                </a:cxn>
+                <a:cxn ang="0">
+                  <a:pos x="T10" y="T11"/>
+                </a:cxn>
+              </a:cxnLst>
+              <a:rect l="0" t="0" r="r" b="b"/>
+              <a:pathLst>
+                <a:path w="21" h="8">
+                  <a:moveTo>
+                    <a:pt x="0" y="4"/>
+                  </a:moveTo>
+                  <a:cubicBezTo>
+                    <a:pt x="0" y="6"/>
+                    <a:pt x="2" y="8"/>
+                    <a:pt x="4" y="8"/>
+                  </a:cubicBezTo>
+                  <a:cubicBezTo>
+                    <a:pt x="21" y="8"/>
+                    <a:pt x="21" y="8"/>
+                    <a:pt x="21" y="8"/>
+                  </a:cubicBezTo>
+                  <a:cubicBezTo>
+                    <a:pt x="21" y="0"/>
+                    <a:pt x="21" y="0"/>
+                    <a:pt x="21" y="0"/>
+                  </a:cubicBezTo>
+                  <a:cubicBezTo>
+                    <a:pt x="4" y="0"/>
+                    <a:pt x="4" y="0"/>
+                    <a:pt x="4" y="0"/>
+                  </a:cubicBezTo>
+                  <a:cubicBezTo>
+                    <a:pt x="2" y="0"/>
+                    <a:pt x="0" y="2"/>
+                    <a:pt x="0" y="4"/>
+                  </a:cubicBezTo>
+                  <a:close/>
+                </a:path>
+              </a:pathLst>
+            </a:custGeom>
+            <a:grpFill/>
+            <a:ln>
+              <a:noFill/>
+            </a:ln>
+            <a:extLst>
+              <a:ext uri="{91240B29-F687-4F45-9708-019B960494DF}">
+                <a14:hiddenLine xmlns:a14="http://schemas.microsoft.com/office/drawing/2010/main" w="9525">
+                  <a:solidFill>
+                    <a:srgbClr val="000000"/>
+                  </a:solidFill>
+                  <a:round/>
+                  <a:headEnd/>
+                  <a:tailEnd/>
+                </a14:hiddenLine>
+              </a:ext>
+            </a:extLst>
+          </p:spPr>
+          <p:txBody>
+            <a:bodyPr vert="horz" wrap="square" lIns="91440" tIns="45720" rIns="91440" bIns="45720" numCol="1" anchor="t" anchorCtr="0" compatLnSpc="1">
+              <a:prstTxWarp prst="textNoShape">
+                <a:avLst/>
+              </a:prstTxWarp>
+            </a:bodyPr>
+            <a:lstStyle/>
+            <a:p>
+              <a:endParaRPr lang="zh-CN" altLang="en-US"/>
+            </a:p>
+          </p:txBody>
+        </p:sp>
+        <p:sp>
+          <p:nvSpPr>
+            <p:cNvPr id="37" name="Freeform 34">
+              <a:extLst>
+                <a:ext uri="{FF2B5EF4-FFF2-40B4-BE49-F238E27FC236}">
+                  <a16:creationId xmlns:a16="http://schemas.microsoft.com/office/drawing/2014/main" id="{82C9C892-B39D-492D-BBA1-777B6A1F134D}"/>
+                </a:ext>
+              </a:extLst>
+            </p:cNvPr>
+            <p:cNvSpPr>
+              <a:spLocks/>
+            </p:cNvSpPr>
+            <p:nvPr/>
+          </p:nvSpPr>
+          <p:spPr bwMode="auto">
+            <a:xfrm>
+              <a:off x="5232400" y="1319213"/>
+              <a:ext cx="60325" cy="22225"/>
+            </a:xfrm>
+            <a:custGeom>
+              <a:avLst/>
+              <a:gdLst>
+                <a:gd name="T0" fmla="*/ 0 w 21"/>
+                <a:gd name="T1" fmla="*/ 4 h 8"/>
+                <a:gd name="T2" fmla="*/ 4 w 21"/>
+                <a:gd name="T3" fmla="*/ 8 h 8"/>
+                <a:gd name="T4" fmla="*/ 21 w 21"/>
+                <a:gd name="T5" fmla="*/ 8 h 8"/>
+                <a:gd name="T6" fmla="*/ 21 w 21"/>
+                <a:gd name="T7" fmla="*/ 0 h 8"/>
+                <a:gd name="T8" fmla="*/ 4 w 21"/>
+                <a:gd name="T9" fmla="*/ 0 h 8"/>
+                <a:gd name="T10" fmla="*/ 0 w 21"/>
+                <a:gd name="T11" fmla="*/ 4 h 8"/>
+              </a:gdLst>
+              <a:ahLst/>
+              <a:cxnLst>
+                <a:cxn ang="0">
+                  <a:pos x="T0" y="T1"/>
+                </a:cxn>
+                <a:cxn ang="0">
+                  <a:pos x="T2" y="T3"/>
+                </a:cxn>
+                <a:cxn ang="0">
+                  <a:pos x="T4" y="T5"/>
+                </a:cxn>
+                <a:cxn ang="0">
+                  <a:pos x="T6" y="T7"/>
+                </a:cxn>
+                <a:cxn ang="0">
+                  <a:pos x="T8" y="T9"/>
+                </a:cxn>
+                <a:cxn ang="0">
+                  <a:pos x="T10" y="T11"/>
+                </a:cxn>
+              </a:cxnLst>
+              <a:rect l="0" t="0" r="r" b="b"/>
+              <a:pathLst>
+                <a:path w="21" h="8">
+                  <a:moveTo>
+                    <a:pt x="0" y="4"/>
+                  </a:moveTo>
+                  <a:cubicBezTo>
+                    <a:pt x="0" y="6"/>
+                    <a:pt x="2" y="8"/>
+                    <a:pt x="4" y="8"/>
+                  </a:cubicBezTo>
+                  <a:cubicBezTo>
+                    <a:pt x="21" y="8"/>
+                    <a:pt x="21" y="8"/>
+                    <a:pt x="21" y="8"/>
+                  </a:cubicBezTo>
+                  <a:cubicBezTo>
+                    <a:pt x="21" y="0"/>
+                    <a:pt x="21" y="0"/>
+                    <a:pt x="21" y="0"/>
+                  </a:cubicBezTo>
+                  <a:cubicBezTo>
+                    <a:pt x="4" y="0"/>
+                    <a:pt x="4" y="0"/>
+                    <a:pt x="4" y="0"/>
+                  </a:cubicBezTo>
+                  <a:cubicBezTo>
+                    <a:pt x="2" y="0"/>
+                    <a:pt x="0" y="2"/>
+                    <a:pt x="0" y="4"/>
+                  </a:cubicBezTo>
+                  <a:close/>
+                </a:path>
+              </a:pathLst>
+            </a:custGeom>
+            <a:grpFill/>
+            <a:ln>
+              <a:noFill/>
+            </a:ln>
+            <a:extLst>
+              <a:ext uri="{91240B29-F687-4F45-9708-019B960494DF}">
+                <a14:hiddenLine xmlns:a14="http://schemas.microsoft.com/office/drawing/2010/main" w="9525">
+                  <a:solidFill>
+                    <a:srgbClr val="000000"/>
+                  </a:solidFill>
+                  <a:round/>
+                  <a:headEnd/>
+                  <a:tailEnd/>
+                </a14:hiddenLine>
+              </a:ext>
+            </a:extLst>
+          </p:spPr>
+          <p:txBody>
+            <a:bodyPr vert="horz" wrap="square" lIns="91440" tIns="45720" rIns="91440" bIns="45720" numCol="1" anchor="t" anchorCtr="0" compatLnSpc="1">
+              <a:prstTxWarp prst="textNoShape">
+                <a:avLst/>
+              </a:prstTxWarp>
+            </a:bodyPr>
+            <a:lstStyle/>
+            <a:p>
+              <a:endParaRPr lang="zh-CN" altLang="en-US"/>
+            </a:p>
+          </p:txBody>
+        </p:sp>
+        <p:sp>
+          <p:nvSpPr>
+            <p:cNvPr id="38" name="Freeform 35">
+              <a:extLst>
+                <a:ext uri="{FF2B5EF4-FFF2-40B4-BE49-F238E27FC236}">
+                  <a16:creationId xmlns:a16="http://schemas.microsoft.com/office/drawing/2014/main" id="{58676C5D-CCF7-4813-A655-EAB857151D8A}"/>
+                </a:ext>
+              </a:extLst>
+            </p:cNvPr>
+            <p:cNvSpPr>
+              <a:spLocks/>
+            </p:cNvSpPr>
+            <p:nvPr/>
+          </p:nvSpPr>
+          <p:spPr bwMode="auto">
+            <a:xfrm>
+              <a:off x="5232400" y="1401763"/>
+              <a:ext cx="60325" cy="22225"/>
+            </a:xfrm>
+            <a:custGeom>
+              <a:avLst/>
+              <a:gdLst>
+                <a:gd name="T0" fmla="*/ 0 w 21"/>
+                <a:gd name="T1" fmla="*/ 4 h 8"/>
+                <a:gd name="T2" fmla="*/ 4 w 21"/>
+                <a:gd name="T3" fmla="*/ 8 h 8"/>
+                <a:gd name="T4" fmla="*/ 21 w 21"/>
+                <a:gd name="T5" fmla="*/ 8 h 8"/>
+                <a:gd name="T6" fmla="*/ 21 w 21"/>
+                <a:gd name="T7" fmla="*/ 0 h 8"/>
+                <a:gd name="T8" fmla="*/ 4 w 21"/>
+                <a:gd name="T9" fmla="*/ 0 h 8"/>
+                <a:gd name="T10" fmla="*/ 0 w 21"/>
+                <a:gd name="T11" fmla="*/ 4 h 8"/>
+              </a:gdLst>
+              <a:ahLst/>
+              <a:cxnLst>
+                <a:cxn ang="0">
+                  <a:pos x="T0" y="T1"/>
+                </a:cxn>
+                <a:cxn ang="0">
+                  <a:pos x="T2" y="T3"/>
+                </a:cxn>
+                <a:cxn ang="0">
+                  <a:pos x="T4" y="T5"/>
+                </a:cxn>
+                <a:cxn ang="0">
+                  <a:pos x="T6" y="T7"/>
+                </a:cxn>
+                <a:cxn ang="0">
+                  <a:pos x="T8" y="T9"/>
+                </a:cxn>
+                <a:cxn ang="0">
+                  <a:pos x="T10" y="T11"/>
+                </a:cxn>
+              </a:cxnLst>
+              <a:rect l="0" t="0" r="r" b="b"/>
+              <a:pathLst>
+                <a:path w="21" h="8">
+                  <a:moveTo>
+                    <a:pt x="0" y="4"/>
+                  </a:moveTo>
+                  <a:cubicBezTo>
+                    <a:pt x="0" y="6"/>
+                    <a:pt x="2" y="8"/>
+                    <a:pt x="4" y="8"/>
+                  </a:cubicBezTo>
+                  <a:cubicBezTo>
+                    <a:pt x="21" y="8"/>
+                    <a:pt x="21" y="8"/>
+                    <a:pt x="21" y="8"/>
+                  </a:cubicBezTo>
+                  <a:cubicBezTo>
+                    <a:pt x="21" y="0"/>
+                    <a:pt x="21" y="0"/>
+                    <a:pt x="21" y="0"/>
+                  </a:cubicBezTo>
+                  <a:cubicBezTo>
+                    <a:pt x="4" y="0"/>
+                    <a:pt x="4" y="0"/>
+                    <a:pt x="4" y="0"/>
+                  </a:cubicBezTo>
+                  <a:cubicBezTo>
+                    <a:pt x="2" y="0"/>
+                    <a:pt x="0" y="2"/>
+                    <a:pt x="0" y="4"/>
+                  </a:cubicBezTo>
+                  <a:close/>
+                </a:path>
+              </a:pathLst>
+            </a:custGeom>
+            <a:grpFill/>
+            <a:ln>
+              <a:noFill/>
+            </a:ln>
+            <a:extLst>
+              <a:ext uri="{91240B29-F687-4F45-9708-019B960494DF}">
+                <a14:hiddenLine xmlns:a14="http://schemas.microsoft.com/office/drawing/2010/main" w="9525">
+                  <a:solidFill>
+                    <a:srgbClr val="000000"/>
+                  </a:solidFill>
+                  <a:round/>
+                  <a:headEnd/>
+                  <a:tailEnd/>
+                </a14:hiddenLine>
+              </a:ext>
+            </a:extLst>
+          </p:spPr>
+          <p:txBody>
+            <a:bodyPr vert="horz" wrap="square" lIns="91440" tIns="45720" rIns="91440" bIns="45720" numCol="1" anchor="t" anchorCtr="0" compatLnSpc="1">
+              <a:prstTxWarp prst="textNoShape">
+                <a:avLst/>
+              </a:prstTxWarp>
+            </a:bodyPr>
+            <a:lstStyle/>
+            <a:p>
+              <a:endParaRPr lang="zh-CN" altLang="en-US"/>
+            </a:p>
+          </p:txBody>
+        </p:sp>
+        <p:sp>
+          <p:nvSpPr>
+            <p:cNvPr id="39" name="Freeform 36">
+              <a:extLst>
+                <a:ext uri="{FF2B5EF4-FFF2-40B4-BE49-F238E27FC236}">
+                  <a16:creationId xmlns:a16="http://schemas.microsoft.com/office/drawing/2014/main" id="{BA24A58D-3103-4A8D-B2E4-46B6B0B4B06B}"/>
+                </a:ext>
+              </a:extLst>
+            </p:cNvPr>
+            <p:cNvSpPr>
+              <a:spLocks/>
+            </p:cNvSpPr>
+            <p:nvPr/>
+          </p:nvSpPr>
+          <p:spPr bwMode="auto">
+            <a:xfrm>
+              <a:off x="5292725" y="1020763"/>
+              <a:ext cx="123825" cy="536575"/>
+            </a:xfrm>
+            <a:custGeom>
+              <a:avLst/>
+              <a:gdLst>
+                <a:gd name="T0" fmla="*/ 0 w 44"/>
+                <a:gd name="T1" fmla="*/ 20 h 189"/>
+                <a:gd name="T2" fmla="*/ 0 w 44"/>
+                <a:gd name="T3" fmla="*/ 47 h 189"/>
+                <a:gd name="T4" fmla="*/ 22 w 44"/>
+                <a:gd name="T5" fmla="*/ 47 h 189"/>
+                <a:gd name="T6" fmla="*/ 26 w 44"/>
+                <a:gd name="T7" fmla="*/ 51 h 189"/>
+                <a:gd name="T8" fmla="*/ 22 w 44"/>
+                <a:gd name="T9" fmla="*/ 55 h 189"/>
+                <a:gd name="T10" fmla="*/ 0 w 44"/>
+                <a:gd name="T11" fmla="*/ 55 h 189"/>
+                <a:gd name="T12" fmla="*/ 0 w 44"/>
+                <a:gd name="T13" fmla="*/ 76 h 189"/>
+                <a:gd name="T14" fmla="*/ 22 w 44"/>
+                <a:gd name="T15" fmla="*/ 76 h 189"/>
+                <a:gd name="T16" fmla="*/ 26 w 44"/>
+                <a:gd name="T17" fmla="*/ 80 h 189"/>
+                <a:gd name="T18" fmla="*/ 22 w 44"/>
+                <a:gd name="T19" fmla="*/ 84 h 189"/>
+                <a:gd name="T20" fmla="*/ 0 w 44"/>
+                <a:gd name="T21" fmla="*/ 84 h 189"/>
+                <a:gd name="T22" fmla="*/ 0 w 44"/>
+                <a:gd name="T23" fmla="*/ 105 h 189"/>
+                <a:gd name="T24" fmla="*/ 22 w 44"/>
+                <a:gd name="T25" fmla="*/ 105 h 189"/>
+                <a:gd name="T26" fmla="*/ 26 w 44"/>
+                <a:gd name="T27" fmla="*/ 109 h 189"/>
+                <a:gd name="T28" fmla="*/ 22 w 44"/>
+                <a:gd name="T29" fmla="*/ 113 h 189"/>
+                <a:gd name="T30" fmla="*/ 0 w 44"/>
+                <a:gd name="T31" fmla="*/ 113 h 189"/>
+                <a:gd name="T32" fmla="*/ 0 w 44"/>
+                <a:gd name="T33" fmla="*/ 134 h 189"/>
+                <a:gd name="T34" fmla="*/ 22 w 44"/>
+                <a:gd name="T35" fmla="*/ 134 h 189"/>
+                <a:gd name="T36" fmla="*/ 26 w 44"/>
+                <a:gd name="T37" fmla="*/ 138 h 189"/>
+                <a:gd name="T38" fmla="*/ 22 w 44"/>
+                <a:gd name="T39" fmla="*/ 142 h 189"/>
+                <a:gd name="T40" fmla="*/ 0 w 44"/>
+                <a:gd name="T41" fmla="*/ 142 h 189"/>
+                <a:gd name="T42" fmla="*/ 0 w 44"/>
+                <a:gd name="T43" fmla="*/ 169 h 189"/>
+                <a:gd name="T44" fmla="*/ 20 w 44"/>
+                <a:gd name="T45" fmla="*/ 189 h 189"/>
+                <a:gd name="T46" fmla="*/ 44 w 44"/>
+                <a:gd name="T47" fmla="*/ 189 h 189"/>
+                <a:gd name="T48" fmla="*/ 44 w 44"/>
+                <a:gd name="T49" fmla="*/ 0 h 189"/>
+                <a:gd name="T50" fmla="*/ 20 w 44"/>
+                <a:gd name="T51" fmla="*/ 0 h 189"/>
+                <a:gd name="T52" fmla="*/ 0 w 44"/>
+                <a:gd name="T53" fmla="*/ 20 h 189"/>
+              </a:gdLst>
+              <a:ahLst/>
+              <a:cxnLst>
+                <a:cxn ang="0">
+                  <a:pos x="T0" y="T1"/>
+                </a:cxn>
+                <a:cxn ang="0">
+                  <a:pos x="T2" y="T3"/>
+                </a:cxn>
+                <a:cxn ang="0">
+                  <a:pos x="T4" y="T5"/>
+                </a:cxn>
+                <a:cxn ang="0">
+                  <a:pos x="T6" y="T7"/>
+                </a:cxn>
+                <a:cxn ang="0">
+                  <a:pos x="T8" y="T9"/>
+                </a:cxn>
+                <a:cxn ang="0">
+                  <a:pos x="T10" y="T11"/>
+                </a:cxn>
+                <a:cxn ang="0">
+                  <a:pos x="T12" y="T13"/>
+                </a:cxn>
+                <a:cxn ang="0">
+                  <a:pos x="T14" y="T15"/>
+                </a:cxn>
+                <a:cxn ang="0">
+                  <a:pos x="T16" y="T17"/>
+                </a:cxn>
+                <a:cxn ang="0">
+                  <a:pos x="T18" y="T19"/>
+                </a:cxn>
+                <a:cxn ang="0">
+                  <a:pos x="T20" y="T21"/>
+                </a:cxn>
+                <a:cxn ang="0">
+                  <a:pos x="T22" y="T23"/>
+                </a:cxn>
+                <a:cxn ang="0">
+                  <a:pos x="T24" y="T25"/>
+                </a:cxn>
+                <a:cxn ang="0">
+                  <a:pos x="T26" y="T27"/>
+                </a:cxn>
+                <a:cxn ang="0">
+                  <a:pos x="T28" y="T29"/>
+                </a:cxn>
+                <a:cxn ang="0">
+                  <a:pos x="T30" y="T31"/>
+                </a:cxn>
+                <a:cxn ang="0">
+                  <a:pos x="T32" y="T33"/>
+                </a:cxn>
+                <a:cxn ang="0">
+                  <a:pos x="T34" y="T35"/>
+                </a:cxn>
+                <a:cxn ang="0">
+                  <a:pos x="T36" y="T37"/>
+                </a:cxn>
+                <a:cxn ang="0">
+                  <a:pos x="T38" y="T39"/>
+                </a:cxn>
+                <a:cxn ang="0">
+                  <a:pos x="T40" y="T41"/>
+                </a:cxn>
+                <a:cxn ang="0">
+                  <a:pos x="T42" y="T43"/>
+                </a:cxn>
+                <a:cxn ang="0">
+                  <a:pos x="T44" y="T45"/>
+                </a:cxn>
+                <a:cxn ang="0">
+                  <a:pos x="T46" y="T47"/>
+                </a:cxn>
+                <a:cxn ang="0">
+                  <a:pos x="T48" y="T49"/>
+                </a:cxn>
+                <a:cxn ang="0">
+                  <a:pos x="T50" y="T51"/>
+                </a:cxn>
+                <a:cxn ang="0">
+                  <a:pos x="T52" y="T53"/>
+                </a:cxn>
+              </a:cxnLst>
+              <a:rect l="0" t="0" r="r" b="b"/>
+              <a:pathLst>
+                <a:path w="44" h="189">
+                  <a:moveTo>
+                    <a:pt x="0" y="20"/>
+                  </a:moveTo>
+                  <a:cubicBezTo>
+                    <a:pt x="0" y="47"/>
+                    <a:pt x="0" y="47"/>
+                    <a:pt x="0" y="47"/>
+                  </a:cubicBezTo>
+                  <a:cubicBezTo>
+                    <a:pt x="22" y="47"/>
+                    <a:pt x="22" y="47"/>
+                    <a:pt x="22" y="47"/>
+                  </a:cubicBezTo>
+                  <a:cubicBezTo>
+                    <a:pt x="25" y="47"/>
+                    <a:pt x="26" y="49"/>
+                    <a:pt x="26" y="51"/>
+                  </a:cubicBezTo>
+                  <a:cubicBezTo>
+                    <a:pt x="26" y="53"/>
+                    <a:pt x="25" y="55"/>
+                    <a:pt x="22" y="55"/>
+                  </a:cubicBezTo>
+                  <a:cubicBezTo>
+                    <a:pt x="0" y="55"/>
+                    <a:pt x="0" y="55"/>
+                    <a:pt x="0" y="55"/>
+                  </a:cubicBezTo>
+                  <a:cubicBezTo>
+                    <a:pt x="0" y="76"/>
+                    <a:pt x="0" y="76"/>
+                    <a:pt x="0" y="76"/>
+                  </a:cubicBezTo>
+                  <a:cubicBezTo>
+                    <a:pt x="22" y="76"/>
+                    <a:pt x="22" y="76"/>
+                    <a:pt x="22" y="76"/>
+                  </a:cubicBezTo>
+                  <a:cubicBezTo>
+                    <a:pt x="25" y="76"/>
+                    <a:pt x="26" y="78"/>
+                    <a:pt x="26" y="80"/>
+                  </a:cubicBezTo>
+                  <a:cubicBezTo>
+                    <a:pt x="26" y="82"/>
+                    <a:pt x="25" y="84"/>
+                    <a:pt x="22" y="84"/>
+                  </a:cubicBezTo>
+                  <a:cubicBezTo>
+                    <a:pt x="0" y="84"/>
+                    <a:pt x="0" y="84"/>
+                    <a:pt x="0" y="84"/>
+                  </a:cubicBezTo>
+                  <a:cubicBezTo>
+                    <a:pt x="0" y="105"/>
+                    <a:pt x="0" y="105"/>
+                    <a:pt x="0" y="105"/>
+                  </a:cubicBezTo>
+                  <a:cubicBezTo>
+                    <a:pt x="22" y="105"/>
+                    <a:pt x="22" y="105"/>
+                    <a:pt x="22" y="105"/>
+                  </a:cubicBezTo>
+                  <a:cubicBezTo>
+                    <a:pt x="25" y="105"/>
+                    <a:pt x="26" y="107"/>
+                    <a:pt x="26" y="109"/>
+                  </a:cubicBezTo>
+                  <a:cubicBezTo>
+                    <a:pt x="26" y="111"/>
+                    <a:pt x="25" y="113"/>
+                    <a:pt x="22" y="113"/>
+                  </a:cubicBezTo>
+                  <a:cubicBezTo>
+                    <a:pt x="0" y="113"/>
+                    <a:pt x="0" y="113"/>
+                    <a:pt x="0" y="113"/>
+                  </a:cubicBezTo>
+                  <a:cubicBezTo>
+                    <a:pt x="0" y="134"/>
+                    <a:pt x="0" y="134"/>
+                    <a:pt x="0" y="134"/>
+                  </a:cubicBezTo>
+                  <a:cubicBezTo>
+                    <a:pt x="22" y="134"/>
+                    <a:pt x="22" y="134"/>
+                    <a:pt x="22" y="134"/>
+                  </a:cubicBezTo>
+                  <a:cubicBezTo>
+                    <a:pt x="25" y="134"/>
+                    <a:pt x="26" y="136"/>
+                    <a:pt x="26" y="138"/>
+                  </a:cubicBezTo>
+                  <a:cubicBezTo>
+                    <a:pt x="26" y="140"/>
+                    <a:pt x="25" y="142"/>
+                    <a:pt x="22" y="142"/>
+                  </a:cubicBezTo>
+                  <a:cubicBezTo>
+                    <a:pt x="0" y="142"/>
+                    <a:pt x="0" y="142"/>
+                    <a:pt x="0" y="142"/>
+                  </a:cubicBezTo>
+                  <a:cubicBezTo>
+                    <a:pt x="0" y="169"/>
+                    <a:pt x="0" y="169"/>
+                    <a:pt x="0" y="169"/>
+                  </a:cubicBezTo>
+                  <a:cubicBezTo>
+                    <a:pt x="0" y="180"/>
+                    <a:pt x="9" y="189"/>
+                    <a:pt x="20" y="189"/>
+                  </a:cubicBezTo>
+                  <a:cubicBezTo>
+                    <a:pt x="44" y="189"/>
+                    <a:pt x="44" y="189"/>
+                    <a:pt x="44" y="189"/>
+                  </a:cubicBezTo>
+                  <a:cubicBezTo>
+                    <a:pt x="44" y="0"/>
+                    <a:pt x="44" y="0"/>
+                    <a:pt x="44" y="0"/>
+                  </a:cubicBezTo>
+                  <a:cubicBezTo>
+                    <a:pt x="20" y="0"/>
+                    <a:pt x="20" y="0"/>
+                    <a:pt x="20" y="0"/>
+                  </a:cubicBezTo>
+                  <a:cubicBezTo>
+                    <a:pt x="9" y="0"/>
+                    <a:pt x="0" y="9"/>
+                    <a:pt x="0" y="20"/>
+                  </a:cubicBezTo>
+                  <a:close/>
+                </a:path>
+              </a:pathLst>
+            </a:custGeom>
+            <a:grpFill/>
+            <a:ln>
+              <a:noFill/>
+            </a:ln>
+            <a:extLst>
+              <a:ext uri="{91240B29-F687-4F45-9708-019B960494DF}">
+                <a14:hiddenLine xmlns:a14="http://schemas.microsoft.com/office/drawing/2010/main" w="9525">
+                  <a:solidFill>
+                    <a:srgbClr val="000000"/>
+                  </a:solidFill>
+                  <a:round/>
+                  <a:headEnd/>
+                  <a:tailEnd/>
+                </a14:hiddenLine>
+              </a:ext>
+            </a:extLst>
+          </p:spPr>
+          <p:txBody>
+            <a:bodyPr vert="horz" wrap="square" lIns="91440" tIns="45720" rIns="91440" bIns="45720" numCol="1" anchor="t" anchorCtr="0" compatLnSpc="1">
+              <a:prstTxWarp prst="textNoShape">
+                <a:avLst/>
+              </a:prstTxWarp>
+            </a:bodyPr>
+            <a:lstStyle/>
+            <a:p>
+              <a:endParaRPr lang="zh-CN" altLang="en-US"/>
+            </a:p>
+          </p:txBody>
+        </p:sp>
+        <p:sp>
+          <p:nvSpPr>
+            <p:cNvPr id="40" name="Freeform 37">
+              <a:extLst>
+                <a:ext uri="{FF2B5EF4-FFF2-40B4-BE49-F238E27FC236}">
+                  <a16:creationId xmlns:a16="http://schemas.microsoft.com/office/drawing/2014/main" id="{5C5BAD1F-791B-4EE1-9F11-87C38D1B9FD8}"/>
+                </a:ext>
+              </a:extLst>
+            </p:cNvPr>
+            <p:cNvSpPr>
+              <a:spLocks noEditPoints="1"/>
+            </p:cNvSpPr>
+            <p:nvPr/>
+          </p:nvSpPr>
+          <p:spPr bwMode="auto">
+            <a:xfrm>
+              <a:off x="5440363" y="1020763"/>
+              <a:ext cx="338138" cy="536575"/>
+            </a:xfrm>
+            <a:custGeom>
+              <a:avLst/>
+              <a:gdLst>
+                <a:gd name="T0" fmla="*/ 99 w 119"/>
+                <a:gd name="T1" fmla="*/ 0 h 189"/>
+                <a:gd name="T2" fmla="*/ 0 w 119"/>
+                <a:gd name="T3" fmla="*/ 0 h 189"/>
+                <a:gd name="T4" fmla="*/ 0 w 119"/>
+                <a:gd name="T5" fmla="*/ 189 h 189"/>
+                <a:gd name="T6" fmla="*/ 99 w 119"/>
+                <a:gd name="T7" fmla="*/ 189 h 189"/>
+                <a:gd name="T8" fmla="*/ 119 w 119"/>
+                <a:gd name="T9" fmla="*/ 169 h 189"/>
+                <a:gd name="T10" fmla="*/ 119 w 119"/>
+                <a:gd name="T11" fmla="*/ 20 h 189"/>
+                <a:gd name="T12" fmla="*/ 99 w 119"/>
+                <a:gd name="T13" fmla="*/ 0 h 189"/>
+                <a:gd name="T14" fmla="*/ 87 w 119"/>
+                <a:gd name="T15" fmla="*/ 109 h 189"/>
+                <a:gd name="T16" fmla="*/ 31 w 119"/>
+                <a:gd name="T17" fmla="*/ 109 h 189"/>
+                <a:gd name="T18" fmla="*/ 27 w 119"/>
+                <a:gd name="T19" fmla="*/ 105 h 189"/>
+                <a:gd name="T20" fmla="*/ 31 w 119"/>
+                <a:gd name="T21" fmla="*/ 101 h 189"/>
+                <a:gd name="T22" fmla="*/ 87 w 119"/>
+                <a:gd name="T23" fmla="*/ 101 h 189"/>
+                <a:gd name="T24" fmla="*/ 91 w 119"/>
+                <a:gd name="T25" fmla="*/ 105 h 189"/>
+                <a:gd name="T26" fmla="*/ 87 w 119"/>
+                <a:gd name="T27" fmla="*/ 109 h 189"/>
+                <a:gd name="T28" fmla="*/ 87 w 119"/>
+                <a:gd name="T29" fmla="*/ 84 h 189"/>
+                <a:gd name="T30" fmla="*/ 31 w 119"/>
+                <a:gd name="T31" fmla="*/ 84 h 189"/>
+                <a:gd name="T32" fmla="*/ 27 w 119"/>
+                <a:gd name="T33" fmla="*/ 80 h 189"/>
+                <a:gd name="T34" fmla="*/ 31 w 119"/>
+                <a:gd name="T35" fmla="*/ 76 h 189"/>
+                <a:gd name="T36" fmla="*/ 87 w 119"/>
+                <a:gd name="T37" fmla="*/ 76 h 189"/>
+                <a:gd name="T38" fmla="*/ 91 w 119"/>
+                <a:gd name="T39" fmla="*/ 80 h 189"/>
+                <a:gd name="T40" fmla="*/ 87 w 119"/>
+                <a:gd name="T41" fmla="*/ 84 h 189"/>
+              </a:gdLst>
+              <a:ahLst/>
+              <a:cxnLst>
+                <a:cxn ang="0">
+                  <a:pos x="T0" y="T1"/>
+                </a:cxn>
+                <a:cxn ang="0">
+                  <a:pos x="T2" y="T3"/>
+                </a:cxn>
+                <a:cxn ang="0">
+                  <a:pos x="T4" y="T5"/>
+                </a:cxn>
+                <a:cxn ang="0">
+                  <a:pos x="T6" y="T7"/>
+                </a:cxn>
+                <a:cxn ang="0">
+                  <a:pos x="T8" y="T9"/>
+                </a:cxn>
+                <a:cxn ang="0">
+                  <a:pos x="T10" y="T11"/>
+                </a:cxn>
+                <a:cxn ang="0">
+                  <a:pos x="T12" y="T13"/>
+                </a:cxn>
+                <a:cxn ang="0">
+                  <a:pos x="T14" y="T15"/>
+                </a:cxn>
+                <a:cxn ang="0">
+                  <a:pos x="T16" y="T17"/>
+                </a:cxn>
+                <a:cxn ang="0">
+                  <a:pos x="T18" y="T19"/>
+                </a:cxn>
+                <a:cxn ang="0">
+                  <a:pos x="T20" y="T21"/>
+                </a:cxn>
+                <a:cxn ang="0">
+                  <a:pos x="T22" y="T23"/>
+                </a:cxn>
+                <a:cxn ang="0">
+                  <a:pos x="T24" y="T25"/>
+                </a:cxn>
+                <a:cxn ang="0">
+                  <a:pos x="T26" y="T27"/>
+                </a:cxn>
+                <a:cxn ang="0">
+                  <a:pos x="T28" y="T29"/>
+                </a:cxn>
+                <a:cxn ang="0">
+                  <a:pos x="T30" y="T31"/>
+                </a:cxn>
+                <a:cxn ang="0">
+                  <a:pos x="T32" y="T33"/>
+                </a:cxn>
+                <a:cxn ang="0">
+                  <a:pos x="T34" y="T35"/>
+                </a:cxn>
+                <a:cxn ang="0">
+                  <a:pos x="T36" y="T37"/>
+                </a:cxn>
+                <a:cxn ang="0">
+                  <a:pos x="T38" y="T39"/>
+                </a:cxn>
+                <a:cxn ang="0">
+                  <a:pos x="T40" y="T41"/>
+                </a:cxn>
+              </a:cxnLst>
+              <a:rect l="0" t="0" r="r" b="b"/>
+              <a:pathLst>
+                <a:path w="119" h="189">
+                  <a:moveTo>
+                    <a:pt x="99" y="0"/>
+                  </a:moveTo>
+                  <a:cubicBezTo>
+                    <a:pt x="0" y="0"/>
+                    <a:pt x="0" y="0"/>
+                    <a:pt x="0" y="0"/>
+                  </a:cubicBezTo>
+                  <a:cubicBezTo>
+                    <a:pt x="0" y="189"/>
+                    <a:pt x="0" y="189"/>
+                    <a:pt x="0" y="189"/>
+                  </a:cubicBezTo>
+                  <a:cubicBezTo>
+                    <a:pt x="99" y="189"/>
+                    <a:pt x="99" y="189"/>
+                    <a:pt x="99" y="189"/>
+                  </a:cubicBezTo>
+                  <a:cubicBezTo>
+                    <a:pt x="110" y="189"/>
+                    <a:pt x="119" y="180"/>
+                    <a:pt x="119" y="169"/>
+                  </a:cubicBezTo>
+                  <a:cubicBezTo>
+                    <a:pt x="119" y="20"/>
+                    <a:pt x="119" y="20"/>
+                    <a:pt x="119" y="20"/>
+                  </a:cubicBezTo>
+                  <a:cubicBezTo>
+                    <a:pt x="119" y="9"/>
+                    <a:pt x="110" y="0"/>
+                    <a:pt x="99" y="0"/>
+                  </a:cubicBezTo>
+                  <a:close/>
+                  <a:moveTo>
+                    <a:pt x="87" y="109"/>
+                  </a:moveTo>
+                  <a:cubicBezTo>
+                    <a:pt x="31" y="109"/>
+                    <a:pt x="31" y="109"/>
+                    <a:pt x="31" y="109"/>
+                  </a:cubicBezTo>
+                  <a:cubicBezTo>
+                    <a:pt x="29" y="109"/>
+                    <a:pt x="27" y="107"/>
+                    <a:pt x="27" y="105"/>
+                  </a:cubicBezTo>
+                  <a:cubicBezTo>
+                    <a:pt x="27" y="103"/>
+                    <a:pt x="29" y="101"/>
+                    <a:pt x="31" y="101"/>
+                  </a:cubicBezTo>
+                  <a:cubicBezTo>
+                    <a:pt x="87" y="101"/>
+                    <a:pt x="87" y="101"/>
+                    <a:pt x="87" y="101"/>
+                  </a:cubicBezTo>
+                  <a:cubicBezTo>
+                    <a:pt x="89" y="101"/>
+                    <a:pt x="91" y="103"/>
+                    <a:pt x="91" y="105"/>
+                  </a:cubicBezTo>
+                  <a:cubicBezTo>
+                    <a:pt x="91" y="107"/>
+                    <a:pt x="89" y="109"/>
+                    <a:pt x="87" y="109"/>
+                  </a:cubicBezTo>
+                  <a:close/>
+                  <a:moveTo>
+                    <a:pt x="87" y="84"/>
+                  </a:moveTo>
+                  <a:cubicBezTo>
+                    <a:pt x="31" y="84"/>
+                    <a:pt x="31" y="84"/>
+                    <a:pt x="31" y="84"/>
+                  </a:cubicBezTo>
+                  <a:cubicBezTo>
+                    <a:pt x="29" y="84"/>
+                    <a:pt x="27" y="82"/>
+                    <a:pt x="27" y="80"/>
+                  </a:cubicBezTo>
+                  <a:cubicBezTo>
+                    <a:pt x="27" y="78"/>
+                    <a:pt x="29" y="76"/>
+                    <a:pt x="31" y="76"/>
+                  </a:cubicBezTo>
+                  <a:cubicBezTo>
+                    <a:pt x="87" y="76"/>
+                    <a:pt x="87" y="76"/>
+                    <a:pt x="87" y="76"/>
+                  </a:cubicBezTo>
+                  <a:cubicBezTo>
+                    <a:pt x="89" y="76"/>
+                    <a:pt x="91" y="78"/>
+                    <a:pt x="91" y="80"/>
+                  </a:cubicBezTo>
+                  <a:cubicBezTo>
+                    <a:pt x="91" y="82"/>
+                    <a:pt x="89" y="84"/>
+                    <a:pt x="87" y="84"/>
+                  </a:cubicBezTo>
+                  <a:close/>
+                </a:path>
+              </a:pathLst>
+            </a:custGeom>
+            <a:grpFill/>
+            <a:ln>
+              <a:noFill/>
+            </a:ln>
+            <a:extLst>
+              <a:ext uri="{91240B29-F687-4F45-9708-019B960494DF}">
+                <a14:hiddenLine xmlns:a14="http://schemas.microsoft.com/office/drawing/2010/main" w="9525">
+                  <a:solidFill>
+                    <a:srgbClr val="000000"/>
+                  </a:solidFill>
+                  <a:round/>
+                  <a:headEnd/>
+                  <a:tailEnd/>
+                </a14:hiddenLine>
+              </a:ext>
+            </a:extLst>
+          </p:spPr>
+          <p:txBody>
+            <a:bodyPr vert="horz" wrap="square" lIns="91440" tIns="45720" rIns="91440" bIns="45720" numCol="1" anchor="t" anchorCtr="0" compatLnSpc="1">
+              <a:prstTxWarp prst="textNoShape">
+                <a:avLst/>
+              </a:prstTxWarp>
+            </a:bodyPr>
+            <a:lstStyle/>
+            <a:p>
+              <a:endParaRPr lang="zh-CN" altLang="en-US"/>
+            </a:p>
+          </p:txBody>
+        </p:sp>
+      </p:grpSp>
+    </p:spTree>
+    <p:extLst>
+      <p:ext uri="{BB962C8B-B14F-4D97-AF65-F5344CB8AC3E}">
+        <p14:creationId xmlns:p14="http://schemas.microsoft.com/office/powerpoint/2010/main" val="453584248"/>
+      </p:ext>
+    </p:extLst>
+  </p:cSld>
+  <p:clrMapOvr>
+    <a:masterClrMapping/>
+  </p:clrMapOvr>
+</p:sld>
+</file>
+
 <file path=ppt/theme/theme1.xml><?xml version="1.0" encoding="utf-8"?>
 <a:theme xmlns:a="http://schemas.openxmlformats.org/drawingml/2006/main" name="Office 主题​​">
   <a:themeElements>
